--- a/Team 2 - Final(Real).pptx
+++ b/Team 2 - Final(Real).pptx
@@ -1617,7 +1617,7 @@
       </p:grpSpPr>
       <p:sp>
         <p:nvSpPr>
-          <p:cNvPr id="201" name="Google Shape;201;gaf086fa637_0_0:notes"/>
+          <p:cNvPr id="201" name="Google Shape;201;gaf6456d7e6_0_122:notes"/>
           <p:cNvSpPr/>
           <p:nvPr>
             <p:ph idx="2" type="sldImg"/>
@@ -1652,7 +1652,7 @@
       </p:sp>
       <p:sp>
         <p:nvSpPr>
-          <p:cNvPr id="202" name="Google Shape;202;gaf086fa637_0_0:notes"/>
+          <p:cNvPr id="202" name="Google Shape;202;gaf6456d7e6_0_122:notes"/>
           <p:cNvSpPr txBox="1"/>
           <p:nvPr>
             <p:ph idx="1" type="body"/>
@@ -1673,7 +1673,10 @@
           </a:bodyPr>
           <a:lstStyle/>
           <a:p>
-            <a:pPr indent="0" lvl="0" marL="0" rtl="0" algn="l">
+            <a:pPr indent="0" lvl="0" marL="457200" rtl="0" algn="l">
+              <a:lnSpc>
+                <a:spcPct val="100000"/>
+              </a:lnSpc>
               <a:spcBef>
                 <a:spcPts val="0"/>
               </a:spcBef>
@@ -1685,7 +1688,15 @@
             <a:r>
               <a:t/>
             </a:r>
-            <a:endParaRPr/>
+            <a:endParaRPr>
+              <a:solidFill>
+                <a:srgbClr val="666666"/>
+              </a:solidFill>
+              <a:latin typeface="Roboto"/>
+              <a:ea typeface="Roboto"/>
+              <a:cs typeface="Roboto"/>
+              <a:sym typeface="Roboto"/>
+            </a:endParaRPr>
           </a:p>
         </p:txBody>
       </p:sp>
@@ -1716,7 +1727,7 @@
       </p:grpSpPr>
       <p:sp>
         <p:nvSpPr>
-          <p:cNvPr id="207" name="Google Shape;207;ga5cfbf832e_0_4:notes"/>
+          <p:cNvPr id="207" name="Google Shape;207;gaf086fa637_0_0:notes"/>
           <p:cNvSpPr/>
           <p:nvPr>
             <p:ph idx="2" type="sldImg"/>
@@ -1751,7 +1762,7 @@
       </p:sp>
       <p:sp>
         <p:nvSpPr>
-          <p:cNvPr id="208" name="Google Shape;208;ga5cfbf832e_0_4:notes"/>
+          <p:cNvPr id="208" name="Google Shape;208;gaf086fa637_0_0:notes"/>
           <p:cNvSpPr txBox="1"/>
           <p:nvPr>
             <p:ph idx="1" type="body"/>
@@ -1801,7 +1812,7 @@
   <p:cSld>
     <p:spTree>
       <p:nvGrpSpPr>
-        <p:cNvPr id="219" name="Shape 219"/>
+        <p:cNvPr id="212" name="Shape 212"/>
         <p:cNvGrpSpPr/>
         <p:nvPr/>
       </p:nvGrpSpPr>
@@ -1815,7 +1826,7 @@
       </p:grpSpPr>
       <p:sp>
         <p:nvSpPr>
-          <p:cNvPr id="220" name="Google Shape;220;gaf65447f2c_2_4:notes"/>
+          <p:cNvPr id="213" name="Google Shape;213;ga5cfbf832e_0_4:notes"/>
           <p:cNvSpPr/>
           <p:nvPr>
             <p:ph idx="2" type="sldImg"/>
@@ -1850,7 +1861,7 @@
       </p:sp>
       <p:sp>
         <p:nvSpPr>
-          <p:cNvPr id="221" name="Google Shape;221;gaf65447f2c_2_4:notes"/>
+          <p:cNvPr id="214" name="Google Shape;214;ga5cfbf832e_0_4:notes"/>
           <p:cNvSpPr txBox="1"/>
           <p:nvPr>
             <p:ph idx="1" type="body"/>
@@ -1999,7 +2010,7 @@
   <p:cSld>
     <p:spTree>
       <p:nvGrpSpPr>
-        <p:cNvPr id="227" name="Shape 227"/>
+        <p:cNvPr id="225" name="Shape 225"/>
         <p:cNvGrpSpPr/>
         <p:nvPr/>
       </p:nvGrpSpPr>
@@ -2013,7 +2024,7 @@
       </p:grpSpPr>
       <p:sp>
         <p:nvSpPr>
-          <p:cNvPr id="228" name="Google Shape;228;g9f0d2d70ab_0_24:notes"/>
+          <p:cNvPr id="226" name="Google Shape;226;gaf65447f2c_2_4:notes"/>
           <p:cNvSpPr/>
           <p:nvPr>
             <p:ph idx="2" type="sldImg"/>
@@ -2048,7 +2059,7 @@
       </p:sp>
       <p:sp>
         <p:nvSpPr>
-          <p:cNvPr id="229" name="Google Shape;229;g9f0d2d70ab_0_24:notes"/>
+          <p:cNvPr id="227" name="Google Shape;227;gaf65447f2c_2_4:notes"/>
           <p:cNvSpPr txBox="1"/>
           <p:nvPr>
             <p:ph idx="1" type="body"/>
@@ -2112,7 +2123,7 @@
       </p:grpSpPr>
       <p:sp>
         <p:nvSpPr>
-          <p:cNvPr id="234" name="Google Shape;234;gaf086fa637_0_12:notes"/>
+          <p:cNvPr id="234" name="Google Shape;234;g9f0d2d70ab_0_24:notes"/>
           <p:cNvSpPr/>
           <p:nvPr>
             <p:ph idx="2" type="sldImg"/>
@@ -2147,7 +2158,7 @@
       </p:sp>
       <p:sp>
         <p:nvSpPr>
-          <p:cNvPr id="235" name="Google Shape;235;gaf086fa637_0_12:notes"/>
+          <p:cNvPr id="235" name="Google Shape;235;g9f0d2d70ab_0_24:notes"/>
           <p:cNvSpPr txBox="1"/>
           <p:nvPr>
             <p:ph idx="1" type="body"/>
@@ -2197,7 +2208,7 @@
   <p:cSld>
     <p:spTree>
       <p:nvGrpSpPr>
-        <p:cNvPr id="240" name="Shape 240"/>
+        <p:cNvPr id="239" name="Shape 239"/>
         <p:cNvGrpSpPr/>
         <p:nvPr/>
       </p:nvGrpSpPr>
@@ -2211,7 +2222,7 @@
       </p:grpSpPr>
       <p:sp>
         <p:nvSpPr>
-          <p:cNvPr id="241" name="Google Shape;241;g9fc21f6bf7_0_6:notes"/>
+          <p:cNvPr id="240" name="Google Shape;240;gaf086fa637_0_12:notes"/>
           <p:cNvSpPr/>
           <p:nvPr>
             <p:ph idx="2" type="sldImg"/>
@@ -2246,7 +2257,7 @@
       </p:sp>
       <p:sp>
         <p:nvSpPr>
-          <p:cNvPr id="242" name="Google Shape;242;g9fc21f6bf7_0_6:notes"/>
+          <p:cNvPr id="241" name="Google Shape;241;gaf086fa637_0_12:notes"/>
           <p:cNvSpPr txBox="1"/>
           <p:nvPr>
             <p:ph idx="1" type="body"/>
@@ -2277,8 +2288,7 @@
               <a:buNone/>
             </a:pPr>
             <a:r>
-              <a:rPr lang="en"/>
-              <a:t>Change from previous plan : Separate two user case  - 1. User with smartwatch, 2. User only with phone</a:t>
+              <a:t/>
             </a:r>
             <a:endParaRPr/>
           </a:p>
@@ -2410,7 +2420,7 @@
       </p:grpSpPr>
       <p:sp>
         <p:nvSpPr>
-          <p:cNvPr id="253" name="Google Shape;253;gaf086fa637_0_19:notes"/>
+          <p:cNvPr id="253" name="Google Shape;253;gaf6456d7e6_0_115:notes"/>
           <p:cNvSpPr/>
           <p:nvPr>
             <p:ph idx="2" type="sldImg"/>
@@ -2445,7 +2455,7 @@
       </p:sp>
       <p:sp>
         <p:nvSpPr>
-          <p:cNvPr id="254" name="Google Shape;254;gaf086fa637_0_19:notes"/>
+          <p:cNvPr id="254" name="Google Shape;254;gaf6456d7e6_0_115:notes"/>
           <p:cNvSpPr txBox="1"/>
           <p:nvPr>
             <p:ph idx="1" type="body"/>
@@ -2476,7 +2486,8 @@
               <a:buNone/>
             </a:pPr>
             <a:r>
-              <a:t/>
+              <a:rPr lang="en"/>
+              <a:t>Change from previous plan : Separate two user case  - 1. User with smartwatch, 2. User only with phone</a:t>
             </a:r>
             <a:endParaRPr/>
           </a:p>
@@ -2495,7 +2506,7 @@
   <p:cSld>
     <p:spTree>
       <p:nvGrpSpPr>
-        <p:cNvPr id="257" name="Shape 257"/>
+        <p:cNvPr id="258" name="Shape 258"/>
         <p:cNvGrpSpPr/>
         <p:nvPr/>
       </p:nvGrpSpPr>
@@ -2509,7 +2520,7 @@
       </p:grpSpPr>
       <p:sp>
         <p:nvSpPr>
-          <p:cNvPr id="258" name="Google Shape;258;ga5cfbf832e_0_0:notes"/>
+          <p:cNvPr id="259" name="Google Shape;259;gaf65447f2c_4_5:notes"/>
           <p:cNvSpPr/>
           <p:nvPr>
             <p:ph idx="2" type="sldImg"/>
@@ -2544,7 +2555,7 @@
       </p:sp>
       <p:sp>
         <p:nvSpPr>
-          <p:cNvPr id="259" name="Google Shape;259;ga5cfbf832e_0_0:notes"/>
+          <p:cNvPr id="260" name="Google Shape;260;gaf65447f2c_4_5:notes"/>
           <p:cNvSpPr txBox="1"/>
           <p:nvPr>
             <p:ph idx="1" type="body"/>
@@ -2594,7 +2605,7 @@
   <p:cSld>
     <p:spTree>
       <p:nvGrpSpPr>
-        <p:cNvPr id="264" name="Shape 264"/>
+        <p:cNvPr id="265" name="Shape 265"/>
         <p:cNvGrpSpPr/>
         <p:nvPr/>
       </p:nvGrpSpPr>
@@ -2608,7 +2619,7 @@
       </p:grpSpPr>
       <p:sp>
         <p:nvSpPr>
-          <p:cNvPr id="265" name="Google Shape;265;g9f0d2d70ab_0_29:notes"/>
+          <p:cNvPr id="266" name="Google Shape;266;g9f0d2d70ab_0_29:notes"/>
           <p:cNvSpPr/>
           <p:nvPr>
             <p:ph idx="2" type="sldImg"/>
@@ -2643,7 +2654,7 @@
       </p:sp>
       <p:sp>
         <p:nvSpPr>
-          <p:cNvPr id="266" name="Google Shape;266;g9f0d2d70ab_0_29:notes"/>
+          <p:cNvPr id="267" name="Google Shape;267;g9f0d2d70ab_0_29:notes"/>
           <p:cNvSpPr txBox="1"/>
           <p:nvPr>
             <p:ph idx="1" type="body"/>
@@ -2693,7 +2704,7 @@
   <p:cSld>
     <p:spTree>
       <p:nvGrpSpPr>
-        <p:cNvPr id="270" name="Shape 270"/>
+        <p:cNvPr id="271" name="Shape 271"/>
         <p:cNvGrpSpPr/>
         <p:nvPr/>
       </p:nvGrpSpPr>
@@ -2707,7 +2718,7 @@
       </p:grpSpPr>
       <p:sp>
         <p:nvSpPr>
-          <p:cNvPr id="271" name="Google Shape;271;g9b1e9b6bd3_0_177:notes"/>
+          <p:cNvPr id="272" name="Google Shape;272;g9b1e9b6bd3_0_177:notes"/>
           <p:cNvSpPr/>
           <p:nvPr>
             <p:ph idx="2" type="sldImg"/>
@@ -2742,7 +2753,7 @@
       </p:sp>
       <p:sp>
         <p:nvSpPr>
-          <p:cNvPr id="272" name="Google Shape;272;g9b1e9b6bd3_0_177:notes"/>
+          <p:cNvPr id="273" name="Google Shape;273;g9b1e9b6bd3_0_177:notes"/>
           <p:cNvSpPr txBox="1"/>
           <p:nvPr>
             <p:ph idx="1" type="body"/>
@@ -10357,7 +10368,7 @@
             <a:tbl>
               <a:tblPr>
                 <a:noFill/>
-                <a:tableStyleId>{1C8EA0D3-DECE-4DC9-B16E-F047F5BAFEB7}</a:tableStyleId>
+                <a:tableStyleId>{48E0A2B4-D3D6-4ABA-A3F5-113924A89478}</a:tableStyleId>
               </a:tblPr>
               <a:tblGrid>
                 <a:gridCol w="1555325"/>
@@ -10600,7 +10611,7 @@
             <a:tbl>
               <a:tblPr>
                 <a:noFill/>
-                <a:tableStyleId>{1C8EA0D3-DECE-4DC9-B16E-F047F5BAFEB7}</a:tableStyleId>
+                <a:tableStyleId>{48E0A2B4-D3D6-4ABA-A3F5-113924A89478}</a:tableStyleId>
               </a:tblPr>
               <a:tblGrid>
                 <a:gridCol w="1878725"/>
@@ -12165,7 +12176,7 @@
             <a:tbl>
               <a:tblPr>
                 <a:noFill/>
-                <a:tableStyleId>{1C8EA0D3-DECE-4DC9-B16E-F047F5BAFEB7}</a:tableStyleId>
+                <a:tableStyleId>{48E0A2B4-D3D6-4ABA-A3F5-113924A89478}</a:tableStyleId>
               </a:tblPr>
               <a:tblGrid>
                 <a:gridCol w="877850"/>
@@ -12591,8 +12602,8 @@
         </p:nvSpPr>
         <p:spPr>
           <a:xfrm>
-            <a:off x="311725" y="500925"/>
-            <a:ext cx="8520600" cy="623700"/>
+            <a:off x="311725" y="248725"/>
+            <a:ext cx="8520600" cy="876000"/>
           </a:xfrm>
           <a:prstGeom prst="rect">
             <a:avLst/>
@@ -12615,6 +12626,293 @@
             </a:pPr>
             <a:r>
               <a:rPr lang="en"/>
+              <a:t>Solution approach 2 : Water drinking model</a:t>
+            </a:r>
+            <a:endParaRPr/>
+          </a:p>
+        </p:txBody>
+      </p:sp>
+      <p:sp>
+        <p:nvSpPr>
+          <p:cNvPr id="205" name="Google Shape;205;p29"/>
+          <p:cNvSpPr txBox="1"/>
+          <p:nvPr/>
+        </p:nvSpPr>
+        <p:spPr>
+          <a:xfrm>
+            <a:off x="824900" y="1746850"/>
+            <a:ext cx="6987300" cy="2110800"/>
+          </a:xfrm>
+          <a:prstGeom prst="rect">
+            <a:avLst/>
+          </a:prstGeom>
+          <a:noFill/>
+          <a:ln>
+            <a:noFill/>
+          </a:ln>
+        </p:spPr>
+        <p:txBody>
+          <a:bodyPr anchorCtr="0" anchor="t" bIns="91425" lIns="91425" spcFirstLastPara="1" rIns="91425" wrap="square" tIns="91425">
+            <a:noAutofit/>
+          </a:bodyPr>
+          <a:lstStyle/>
+          <a:p>
+            <a:pPr indent="-317500" lvl="0" marL="457200" rtl="0" algn="l">
+              <a:spcBef>
+                <a:spcPts val="0"/>
+              </a:spcBef>
+              <a:spcAft>
+                <a:spcPts val="0"/>
+              </a:spcAft>
+              <a:buSzPts val="1400"/>
+              <a:buFont typeface="Roboto"/>
+              <a:buChar char="●"/>
+            </a:pPr>
+            <a:r>
+              <a:rPr lang="en">
+                <a:latin typeface="Roboto"/>
+                <a:ea typeface="Roboto"/>
+                <a:cs typeface="Roboto"/>
+                <a:sym typeface="Roboto"/>
+              </a:rPr>
+              <a:t>Heuristic to use model to detect water drinking</a:t>
+            </a:r>
+            <a:endParaRPr>
+              <a:latin typeface="Roboto"/>
+              <a:ea typeface="Roboto"/>
+              <a:cs typeface="Roboto"/>
+              <a:sym typeface="Roboto"/>
+            </a:endParaRPr>
+          </a:p>
+          <a:p>
+            <a:pPr indent="-317500" lvl="1" marL="914400" rtl="0" algn="l">
+              <a:spcBef>
+                <a:spcPts val="0"/>
+              </a:spcBef>
+              <a:spcAft>
+                <a:spcPts val="0"/>
+              </a:spcAft>
+              <a:buSzPts val="1400"/>
+              <a:buFont typeface="Roboto"/>
+              <a:buChar char="○"/>
+            </a:pPr>
+            <a:r>
+              <a:rPr lang="en">
+                <a:latin typeface="Roboto"/>
+                <a:ea typeface="Roboto"/>
+                <a:cs typeface="Roboto"/>
+                <a:sym typeface="Roboto"/>
+              </a:rPr>
+              <a:t>Detect up =&gt; change state to up</a:t>
+            </a:r>
+            <a:endParaRPr>
+              <a:latin typeface="Roboto"/>
+              <a:ea typeface="Roboto"/>
+              <a:cs typeface="Roboto"/>
+              <a:sym typeface="Roboto"/>
+            </a:endParaRPr>
+          </a:p>
+          <a:p>
+            <a:pPr indent="-317500" lvl="1" marL="914400" rtl="0" algn="l">
+              <a:spcBef>
+                <a:spcPts val="0"/>
+              </a:spcBef>
+              <a:spcAft>
+                <a:spcPts val="0"/>
+              </a:spcAft>
+              <a:buSzPts val="1400"/>
+              <a:buFont typeface="Roboto"/>
+              <a:buChar char="○"/>
+            </a:pPr>
+            <a:r>
+              <a:rPr lang="en">
+                <a:latin typeface="Roboto"/>
+                <a:ea typeface="Roboto"/>
+                <a:cs typeface="Roboto"/>
+                <a:sym typeface="Roboto"/>
+              </a:rPr>
+              <a:t>Detect drink when we are on state up =&gt; state change to drink</a:t>
+            </a:r>
+            <a:endParaRPr>
+              <a:latin typeface="Roboto"/>
+              <a:ea typeface="Roboto"/>
+              <a:cs typeface="Roboto"/>
+              <a:sym typeface="Roboto"/>
+            </a:endParaRPr>
+          </a:p>
+          <a:p>
+            <a:pPr indent="-317500" lvl="1" marL="914400" rtl="0" algn="l">
+              <a:spcBef>
+                <a:spcPts val="0"/>
+              </a:spcBef>
+              <a:spcAft>
+                <a:spcPts val="0"/>
+              </a:spcAft>
+              <a:buSzPts val="1400"/>
+              <a:buFont typeface="Roboto"/>
+              <a:buChar char="○"/>
+            </a:pPr>
+            <a:r>
+              <a:rPr lang="en">
+                <a:latin typeface="Roboto"/>
+                <a:ea typeface="Roboto"/>
+                <a:cs typeface="Roboto"/>
+                <a:sym typeface="Roboto"/>
+              </a:rPr>
+              <a:t>Detect down when we are on state drink =&gt; state change to down</a:t>
+            </a:r>
+            <a:endParaRPr>
+              <a:latin typeface="Roboto"/>
+              <a:ea typeface="Roboto"/>
+              <a:cs typeface="Roboto"/>
+              <a:sym typeface="Roboto"/>
+            </a:endParaRPr>
+          </a:p>
+          <a:p>
+            <a:pPr indent="-317500" lvl="1" marL="914400" rtl="0" algn="l">
+              <a:spcBef>
+                <a:spcPts val="0"/>
+              </a:spcBef>
+              <a:spcAft>
+                <a:spcPts val="0"/>
+              </a:spcAft>
+              <a:buSzPts val="1400"/>
+              <a:buFont typeface="Roboto"/>
+              <a:buChar char="○"/>
+            </a:pPr>
+            <a:r>
+              <a:rPr lang="en">
+                <a:latin typeface="Roboto"/>
+                <a:ea typeface="Roboto"/>
+                <a:cs typeface="Roboto"/>
+                <a:sym typeface="Roboto"/>
+              </a:rPr>
+              <a:t>Detect normal when we are on state down =&gt; water drink detected!</a:t>
+            </a:r>
+            <a:endParaRPr>
+              <a:latin typeface="Roboto"/>
+              <a:ea typeface="Roboto"/>
+              <a:cs typeface="Roboto"/>
+              <a:sym typeface="Roboto"/>
+            </a:endParaRPr>
+          </a:p>
+          <a:p>
+            <a:pPr indent="-317500" lvl="0" marL="457200" rtl="0" algn="l">
+              <a:spcBef>
+                <a:spcPts val="0"/>
+              </a:spcBef>
+              <a:spcAft>
+                <a:spcPts val="0"/>
+              </a:spcAft>
+              <a:buSzPts val="1400"/>
+              <a:buFont typeface="Roboto"/>
+              <a:buChar char="●"/>
+            </a:pPr>
+            <a:r>
+              <a:rPr lang="en">
+                <a:latin typeface="Roboto"/>
+                <a:ea typeface="Roboto"/>
+                <a:cs typeface="Roboto"/>
+                <a:sym typeface="Roboto"/>
+              </a:rPr>
+              <a:t>State is maintained when that motion have more than 50% portion</a:t>
+            </a:r>
+            <a:endParaRPr>
+              <a:latin typeface="Roboto"/>
+              <a:ea typeface="Roboto"/>
+              <a:cs typeface="Roboto"/>
+              <a:sym typeface="Roboto"/>
+            </a:endParaRPr>
+          </a:p>
+          <a:p>
+            <a:pPr indent="-317500" lvl="0" marL="457200" rtl="0" algn="l">
+              <a:spcBef>
+                <a:spcPts val="0"/>
+              </a:spcBef>
+              <a:spcAft>
+                <a:spcPts val="0"/>
+              </a:spcAft>
+              <a:buSzPts val="1400"/>
+              <a:buFont typeface="Roboto"/>
+              <a:buChar char="●"/>
+            </a:pPr>
+            <a:r>
+              <a:rPr lang="en">
+                <a:latin typeface="Roboto"/>
+                <a:ea typeface="Roboto"/>
+                <a:cs typeface="Roboto"/>
+                <a:sym typeface="Roboto"/>
+              </a:rPr>
+              <a:t>By using Good Heuristic, </a:t>
+            </a:r>
+            <a:endParaRPr>
+              <a:latin typeface="Roboto"/>
+              <a:ea typeface="Roboto"/>
+              <a:cs typeface="Roboto"/>
+              <a:sym typeface="Roboto"/>
+            </a:endParaRPr>
+          </a:p>
+        </p:txBody>
+      </p:sp>
+    </p:spTree>
+  </p:cSld>
+  <p:clrMapOvr>
+    <a:masterClrMapping/>
+  </p:clrMapOvr>
+</p:sld>
+</file>
+
+<file path=ppt/slides/slide18.xml><?xml version="1.0" encoding="utf-8"?>
+<p:sld xmlns:a="http://schemas.openxmlformats.org/drawingml/2006/main" xmlns:r="http://schemas.openxmlformats.org/officeDocument/2006/relationships" xmlns:mc="http://schemas.openxmlformats.org/markup-compatibility/2006" xmlns:mv="urn:schemas-microsoft-com:mac:vml" xmlns:p="http://schemas.openxmlformats.org/presentationml/2006/main" xmlns:c="http://schemas.openxmlformats.org/drawingml/2006/chart" xmlns:dgm="http://schemas.openxmlformats.org/drawingml/2006/diagram" xmlns:o="urn:schemas-microsoft-com:office:office" xmlns:v="urn:schemas-microsoft-com:vml" xmlns:pvml="urn:schemas-microsoft-com:office:powerpoint" xmlns:com="http://schemas.openxmlformats.org/drawingml/2006/compatibility" xmlns:p14="http://schemas.microsoft.com/office/powerpoint/2010/main" xmlns:p15="http://schemas.microsoft.com/office/powerpoint/2012/main" xmlns:ahyp="http://schemas.microsoft.com/office/drawing/2018/hyperlinkcolor">
+  <p:cSld>
+    <p:spTree>
+      <p:nvGrpSpPr>
+        <p:cNvPr id="209" name="Shape 209"/>
+        <p:cNvGrpSpPr/>
+        <p:nvPr/>
+      </p:nvGrpSpPr>
+      <p:grpSpPr>
+        <a:xfrm>
+          <a:off x="0" y="0"/>
+          <a:ext cx="0" cy="0"/>
+          <a:chOff x="0" y="0"/>
+          <a:chExt cx="0" cy="0"/>
+        </a:xfrm>
+      </p:grpSpPr>
+      <p:sp>
+        <p:nvSpPr>
+          <p:cNvPr id="210" name="Google Shape;210;p30"/>
+          <p:cNvSpPr txBox="1"/>
+          <p:nvPr>
+            <p:ph type="title"/>
+          </p:nvPr>
+        </p:nvSpPr>
+        <p:spPr>
+          <a:xfrm>
+            <a:off x="311725" y="500925"/>
+            <a:ext cx="8520600" cy="623700"/>
+          </a:xfrm>
+          <a:prstGeom prst="rect">
+            <a:avLst/>
+          </a:prstGeom>
+        </p:spPr>
+        <p:txBody>
+          <a:bodyPr anchorCtr="0" anchor="t" bIns="91425" lIns="91425" spcFirstLastPara="1" rIns="91425" wrap="square" tIns="91425">
+            <a:noAutofit/>
+          </a:bodyPr>
+          <a:lstStyle/>
+          <a:p>
+            <a:pPr indent="0" lvl="0" marL="0" rtl="0" algn="l">
+              <a:spcBef>
+                <a:spcPts val="0"/>
+              </a:spcBef>
+              <a:spcAft>
+                <a:spcPts val="0"/>
+              </a:spcAft>
+              <a:buNone/>
+            </a:pPr>
+            <a:r>
+              <a:rPr lang="en"/>
               <a:t>Evaluation Results2 : Inference</a:t>
             </a:r>
             <a:endParaRPr/>
@@ -12623,7 +12921,7 @@
       </p:sp>
       <p:graphicFrame>
         <p:nvGraphicFramePr>
-          <p:cNvPr id="205" name="Google Shape;205;p29"/>
+          <p:cNvPr id="211" name="Google Shape;211;p30"/>
           <p:cNvGraphicFramePr/>
           <p:nvPr/>
         </p:nvGraphicFramePr>
@@ -12636,7 +12934,7 @@
             <a:tbl>
               <a:tblPr>
                 <a:noFill/>
-                <a:tableStyleId>{1C8EA0D3-DECE-4DC9-B16E-F047F5BAFEB7}</a:tableStyleId>
+                <a:tableStyleId>{48E0A2B4-D3D6-4ABA-A3F5-113924A89478}</a:tableStyleId>
               </a:tblPr>
               <a:tblGrid>
                 <a:gridCol w="3003825"/>
@@ -12972,12 +13270,12 @@
 </p:sld>
 </file>
 
-<file path=ppt/slides/slide18.xml><?xml version="1.0" encoding="utf-8"?>
+<file path=ppt/slides/slide19.xml><?xml version="1.0" encoding="utf-8"?>
 <p:sld xmlns:a="http://schemas.openxmlformats.org/drawingml/2006/main" xmlns:r="http://schemas.openxmlformats.org/officeDocument/2006/relationships" xmlns:mc="http://schemas.openxmlformats.org/markup-compatibility/2006" xmlns:mv="urn:schemas-microsoft-com:mac:vml" xmlns:p="http://schemas.openxmlformats.org/presentationml/2006/main" xmlns:c="http://schemas.openxmlformats.org/drawingml/2006/chart" xmlns:dgm="http://schemas.openxmlformats.org/drawingml/2006/diagram" xmlns:o="urn:schemas-microsoft-com:office:office" xmlns:v="urn:schemas-microsoft-com:vml" xmlns:pvml="urn:schemas-microsoft-com:office:powerpoint" xmlns:com="http://schemas.openxmlformats.org/drawingml/2006/compatibility" xmlns:p14="http://schemas.microsoft.com/office/powerpoint/2010/main" xmlns:p15="http://schemas.microsoft.com/office/powerpoint/2012/main" xmlns:ahyp="http://schemas.microsoft.com/office/drawing/2018/hyperlinkcolor">
   <p:cSld>
     <p:spTree>
       <p:nvGrpSpPr>
-        <p:cNvPr id="209" name="Shape 209"/>
+        <p:cNvPr id="215" name="Shape 215"/>
         <p:cNvGrpSpPr/>
         <p:nvPr/>
       </p:nvGrpSpPr>
@@ -12991,7 +13289,7 @@
       </p:grpSpPr>
       <p:sp>
         <p:nvSpPr>
-          <p:cNvPr id="210" name="Google Shape;210;p30"/>
+          <p:cNvPr id="216" name="Google Shape;216;p31"/>
           <p:cNvSpPr txBox="1"/>
           <p:nvPr>
             <p:ph type="title"/>
@@ -13031,7 +13329,7 @@
       </p:sp>
       <p:pic>
         <p:nvPicPr>
-          <p:cNvPr id="211" name="Google Shape;211;p30"/>
+          <p:cNvPr id="217" name="Google Shape;217;p31"/>
           <p:cNvPicPr preferRelativeResize="0"/>
           <p:nvPr/>
         </p:nvPicPr>
@@ -13059,7 +13357,7 @@
       </p:pic>
       <p:sp>
         <p:nvSpPr>
-          <p:cNvPr id="212" name="Google Shape;212;p30"/>
+          <p:cNvPr id="218" name="Google Shape;218;p31"/>
           <p:cNvSpPr/>
           <p:nvPr/>
         </p:nvSpPr>
@@ -13106,7 +13404,7 @@
       </p:sp>
       <p:sp>
         <p:nvSpPr>
-          <p:cNvPr id="213" name="Google Shape;213;p30"/>
+          <p:cNvPr id="219" name="Google Shape;219;p31"/>
           <p:cNvSpPr/>
           <p:nvPr/>
         </p:nvSpPr>
@@ -13153,7 +13451,7 @@
       </p:sp>
       <p:sp>
         <p:nvSpPr>
-          <p:cNvPr id="214" name="Google Shape;214;p30"/>
+          <p:cNvPr id="220" name="Google Shape;220;p31"/>
           <p:cNvSpPr/>
           <p:nvPr/>
         </p:nvSpPr>
@@ -13200,7 +13498,7 @@
       </p:sp>
       <p:sp>
         <p:nvSpPr>
-          <p:cNvPr id="215" name="Google Shape;215;p30"/>
+          <p:cNvPr id="221" name="Google Shape;221;p31"/>
           <p:cNvSpPr txBox="1"/>
           <p:nvPr/>
         </p:nvSpPr>
@@ -13278,7 +13576,7 @@
       </p:sp>
       <p:sp>
         <p:nvSpPr>
-          <p:cNvPr id="216" name="Google Shape;216;p30"/>
+          <p:cNvPr id="222" name="Google Shape;222;p31"/>
           <p:cNvSpPr txBox="1"/>
           <p:nvPr/>
         </p:nvSpPr>
@@ -13330,7 +13628,7 @@
       </p:sp>
       <p:sp>
         <p:nvSpPr>
-          <p:cNvPr id="217" name="Google Shape;217;p30"/>
+          <p:cNvPr id="223" name="Google Shape;223;p31"/>
           <p:cNvSpPr txBox="1"/>
           <p:nvPr/>
         </p:nvSpPr>
@@ -13382,13 +13680,13 @@
       </p:sp>
       <p:sp>
         <p:nvSpPr>
-          <p:cNvPr id="218" name="Google Shape;218;p30"/>
+          <p:cNvPr id="224" name="Google Shape;224;p31"/>
           <p:cNvSpPr txBox="1"/>
           <p:nvPr/>
         </p:nvSpPr>
         <p:spPr>
           <a:xfrm>
-            <a:off x="5549650" y="2875525"/>
+            <a:off x="5312700" y="2912200"/>
             <a:ext cx="2879100" cy="1678200"/>
           </a:xfrm>
           <a:prstGeom prst="rect">
@@ -13405,17 +13703,114 @@
           </a:bodyPr>
           <a:lstStyle/>
           <a:p>
-            <a:pPr indent="0" lvl="0" marL="0" rtl="0" algn="l">
-              <a:spcBef>
-                <a:spcPts val="0"/>
-              </a:spcBef>
-              <a:spcAft>
-                <a:spcPts val="0"/>
-              </a:spcAft>
-              <a:buNone/>
-            </a:pPr>
-            <a:r>
-              <a:t/>
+            <a:pPr indent="-304800" lvl="1" marL="914400" rtl="0" algn="l">
+              <a:lnSpc>
+                <a:spcPct val="115000"/>
+              </a:lnSpc>
+              <a:spcBef>
+                <a:spcPts val="0"/>
+              </a:spcBef>
+              <a:spcAft>
+                <a:spcPts val="0"/>
+              </a:spcAft>
+              <a:buClr>
+                <a:srgbClr val="24292E"/>
+              </a:buClr>
+              <a:buSzPts val="1200"/>
+              <a:buFont typeface="Roboto"/>
+              <a:buChar char="○"/>
+            </a:pPr>
+            <a:r>
+              <a:rPr lang="en" sz="1200">
+                <a:solidFill>
+                  <a:srgbClr val="24292E"/>
+                </a:solidFill>
+                <a:latin typeface="Roboto"/>
+                <a:ea typeface="Roboto"/>
+                <a:cs typeface="Roboto"/>
+                <a:sym typeface="Roboto"/>
+              </a:rPr>
+              <a:t>User can login, logout, and sign up</a:t>
+            </a:r>
+            <a:endParaRPr sz="1200">
+              <a:solidFill>
+                <a:srgbClr val="24292E"/>
+              </a:solidFill>
+              <a:latin typeface="Roboto"/>
+              <a:ea typeface="Roboto"/>
+              <a:cs typeface="Roboto"/>
+              <a:sym typeface="Roboto"/>
+            </a:endParaRPr>
+          </a:p>
+          <a:p>
+            <a:pPr indent="-304800" lvl="1" marL="914400" rtl="0" algn="l">
+              <a:lnSpc>
+                <a:spcPct val="115000"/>
+              </a:lnSpc>
+              <a:spcBef>
+                <a:spcPts val="0"/>
+              </a:spcBef>
+              <a:spcAft>
+                <a:spcPts val="0"/>
+              </a:spcAft>
+              <a:buClr>
+                <a:srgbClr val="24292E"/>
+              </a:buClr>
+              <a:buSzPts val="1200"/>
+              <a:buFont typeface="Roboto"/>
+              <a:buChar char="○"/>
+            </a:pPr>
+            <a:r>
+              <a:rPr lang="en" sz="1200">
+                <a:solidFill>
+                  <a:srgbClr val="24292E"/>
+                </a:solidFill>
+                <a:latin typeface="Roboto"/>
+                <a:ea typeface="Roboto"/>
+                <a:cs typeface="Roboto"/>
+                <a:sym typeface="Roboto"/>
+              </a:rPr>
+              <a:t>And they can get life data for detail and today data from deployed server</a:t>
+            </a:r>
+            <a:endParaRPr sz="1200">
+              <a:solidFill>
+                <a:srgbClr val="24292E"/>
+              </a:solidFill>
+              <a:latin typeface="Roboto"/>
+              <a:ea typeface="Roboto"/>
+              <a:cs typeface="Roboto"/>
+              <a:sym typeface="Roboto"/>
+            </a:endParaRPr>
+          </a:p>
+          <a:p>
+            <a:pPr indent="-304800" lvl="1" marL="914400" rtl="0" algn="l">
+              <a:lnSpc>
+                <a:spcPct val="115000"/>
+              </a:lnSpc>
+              <a:spcBef>
+                <a:spcPts val="0"/>
+              </a:spcBef>
+              <a:spcAft>
+                <a:spcPts val="0"/>
+              </a:spcAft>
+              <a:buClr>
+                <a:srgbClr val="24292E"/>
+              </a:buClr>
+              <a:buSzPts val="1200"/>
+              <a:buFont typeface="Roboto"/>
+              <a:buChar char="○"/>
+            </a:pPr>
+            <a:r>
+              <a:rPr lang="en" sz="1200">
+                <a:solidFill>
+                  <a:srgbClr val="24292E"/>
+                </a:solidFill>
+                <a:latin typeface="Roboto"/>
+                <a:ea typeface="Roboto"/>
+                <a:cs typeface="Roboto"/>
+                <a:sym typeface="Roboto"/>
+              </a:rPr>
+              <a:t>User can see other users and their daily ranking</a:t>
             </a:r>
             <a:endParaRPr>
               <a:latin typeface="Roboto"/>
@@ -13423,245 +13818,6 @@
               <a:cs typeface="Roboto"/>
               <a:sym typeface="Roboto"/>
             </a:endParaRPr>
-          </a:p>
-        </p:txBody>
-      </p:sp>
-    </p:spTree>
-  </p:cSld>
-  <p:clrMapOvr>
-    <a:masterClrMapping/>
-  </p:clrMapOvr>
-</p:sld>
-</file>
-
-<file path=ppt/slides/slide19.xml><?xml version="1.0" encoding="utf-8"?>
-<p:sld xmlns:a="http://schemas.openxmlformats.org/drawingml/2006/main" xmlns:r="http://schemas.openxmlformats.org/officeDocument/2006/relationships" xmlns:mc="http://schemas.openxmlformats.org/markup-compatibility/2006" xmlns:mv="urn:schemas-microsoft-com:mac:vml" xmlns:p="http://schemas.openxmlformats.org/presentationml/2006/main" xmlns:c="http://schemas.openxmlformats.org/drawingml/2006/chart" xmlns:dgm="http://schemas.openxmlformats.org/drawingml/2006/diagram" xmlns:o="urn:schemas-microsoft-com:office:office" xmlns:v="urn:schemas-microsoft-com:vml" xmlns:pvml="urn:schemas-microsoft-com:office:powerpoint" xmlns:com="http://schemas.openxmlformats.org/drawingml/2006/compatibility" xmlns:p14="http://schemas.microsoft.com/office/powerpoint/2010/main" xmlns:p15="http://schemas.microsoft.com/office/powerpoint/2012/main" xmlns:ahyp="http://schemas.microsoft.com/office/drawing/2018/hyperlinkcolor">
-  <p:cSld>
-    <p:spTree>
-      <p:nvGrpSpPr>
-        <p:cNvPr id="222" name="Shape 222"/>
-        <p:cNvGrpSpPr/>
-        <p:nvPr/>
-      </p:nvGrpSpPr>
-      <p:grpSpPr>
-        <a:xfrm>
-          <a:off x="0" y="0"/>
-          <a:ext cx="0" cy="0"/>
-          <a:chOff x="0" y="0"/>
-          <a:chExt cx="0" cy="0"/>
-        </a:xfrm>
-      </p:grpSpPr>
-      <p:sp>
-        <p:nvSpPr>
-          <p:cNvPr id="223" name="Google Shape;223;p31"/>
-          <p:cNvSpPr txBox="1"/>
-          <p:nvPr>
-            <p:ph type="title"/>
-          </p:nvPr>
-        </p:nvSpPr>
-        <p:spPr>
-          <a:xfrm>
-            <a:off x="311725" y="348525"/>
-            <a:ext cx="8520600" cy="623700"/>
-          </a:xfrm>
-          <a:prstGeom prst="rect">
-            <a:avLst/>
-          </a:prstGeom>
-        </p:spPr>
-        <p:txBody>
-          <a:bodyPr anchorCtr="0" anchor="t" bIns="91425" lIns="91425" spcFirstLastPara="1" rIns="91425" wrap="square" tIns="91425">
-            <a:noAutofit/>
-          </a:bodyPr>
-          <a:lstStyle/>
-          <a:p>
-            <a:pPr indent="0" lvl="0" marL="0" rtl="0" algn="l">
-              <a:spcBef>
-                <a:spcPts val="0"/>
-              </a:spcBef>
-              <a:spcAft>
-                <a:spcPts val="0"/>
-              </a:spcAft>
-              <a:buNone/>
-            </a:pPr>
-            <a:r>
-              <a:rPr lang="en"/>
-              <a:t>Solution approach 4: Notification logic</a:t>
-            </a:r>
-            <a:endParaRPr/>
-          </a:p>
-        </p:txBody>
-      </p:sp>
-      <p:sp>
-        <p:nvSpPr>
-          <p:cNvPr id="224" name="Google Shape;224;p31"/>
-          <p:cNvSpPr/>
-          <p:nvPr/>
-        </p:nvSpPr>
-        <p:spPr>
-          <a:xfrm>
-            <a:off x="551100" y="1461575"/>
-            <a:ext cx="6868800" cy="902700"/>
-          </a:xfrm>
-          <a:prstGeom prst="round2SameRect">
-            <a:avLst>
-              <a:gd fmla="val 16667" name="adj1"/>
-              <a:gd fmla="val 0" name="adj2"/>
-            </a:avLst>
-          </a:prstGeom>
-          <a:solidFill>
-            <a:srgbClr val="00FFFF"/>
-          </a:solidFill>
-          <a:ln cap="flat" cmpd="sng" w="9525">
-            <a:solidFill>
-              <a:schemeClr val="dk2"/>
-            </a:solidFill>
-            <a:prstDash val="solid"/>
-            <a:round/>
-            <a:headEnd len="sm" w="sm" type="none"/>
-            <a:tailEnd len="sm" w="sm" type="none"/>
-          </a:ln>
-        </p:spPr>
-        <p:txBody>
-          <a:bodyPr anchorCtr="0" anchor="ctr" bIns="91425" lIns="91425" spcFirstLastPara="1" rIns="91425" wrap="square" tIns="91425">
-            <a:noAutofit/>
-          </a:bodyPr>
-          <a:lstStyle/>
-          <a:p>
-            <a:pPr indent="0" lvl="0" marL="0" rtl="0" algn="l">
-              <a:spcBef>
-                <a:spcPts val="0"/>
-              </a:spcBef>
-              <a:spcAft>
-                <a:spcPts val="0"/>
-              </a:spcAft>
-              <a:buNone/>
-            </a:pPr>
-            <a:r>
-              <a:rPr lang="en" sz="1500">
-                <a:latin typeface="Roboto"/>
-                <a:ea typeface="Roboto"/>
-                <a:cs typeface="Roboto"/>
-                <a:sym typeface="Roboto"/>
-              </a:rPr>
-              <a:t>Initial thought: Chain Observables from the sensor data to notification!</a:t>
-            </a:r>
-            <a:endParaRPr sz="1500"/>
-          </a:p>
-        </p:txBody>
-      </p:sp>
-      <p:sp>
-        <p:nvSpPr>
-          <p:cNvPr id="225" name="Google Shape;225;p31"/>
-          <p:cNvSpPr/>
-          <p:nvPr/>
-        </p:nvSpPr>
-        <p:spPr>
-          <a:xfrm>
-            <a:off x="911150" y="2524475"/>
-            <a:ext cx="6868800" cy="902700"/>
-          </a:xfrm>
-          <a:prstGeom prst="round2SameRect">
-            <a:avLst>
-              <a:gd fmla="val 16667" name="adj1"/>
-              <a:gd fmla="val 0" name="adj2"/>
-            </a:avLst>
-          </a:prstGeom>
-          <a:solidFill>
-            <a:srgbClr val="FFD966"/>
-          </a:solidFill>
-          <a:ln cap="flat" cmpd="sng" w="9525">
-            <a:solidFill>
-              <a:schemeClr val="dk2"/>
-            </a:solidFill>
-            <a:prstDash val="solid"/>
-            <a:round/>
-            <a:headEnd len="sm" w="sm" type="none"/>
-            <a:tailEnd len="sm" w="sm" type="none"/>
-          </a:ln>
-        </p:spPr>
-        <p:txBody>
-          <a:bodyPr anchorCtr="0" anchor="ctr" bIns="91425" lIns="91425" spcFirstLastPara="1" rIns="91425" wrap="square" tIns="91425">
-            <a:noAutofit/>
-          </a:bodyPr>
-          <a:lstStyle/>
-          <a:p>
-            <a:pPr indent="0" lvl="0" marL="0" rtl="0" algn="l">
-              <a:spcBef>
-                <a:spcPts val="0"/>
-              </a:spcBef>
-              <a:spcAft>
-                <a:spcPts val="0"/>
-              </a:spcAft>
-              <a:buNone/>
-            </a:pPr>
-            <a:r>
-              <a:rPr lang="en" sz="1500">
-                <a:latin typeface="Roboto"/>
-                <a:ea typeface="Roboto"/>
-                <a:cs typeface="Roboto"/>
-                <a:sym typeface="Roboto"/>
-              </a:rPr>
-              <a:t>Low experience in reactiveX-tive way of thinking</a:t>
-            </a:r>
-            <a:endParaRPr sz="1500"/>
-          </a:p>
-        </p:txBody>
-      </p:sp>
-      <p:sp>
-        <p:nvSpPr>
-          <p:cNvPr id="226" name="Google Shape;226;p31"/>
-          <p:cNvSpPr/>
-          <p:nvPr/>
-        </p:nvSpPr>
-        <p:spPr>
-          <a:xfrm>
-            <a:off x="1510825" y="3699175"/>
-            <a:ext cx="6868800" cy="902700"/>
-          </a:xfrm>
-          <a:prstGeom prst="round2SameRect">
-            <a:avLst>
-              <a:gd fmla="val 16667" name="adj1"/>
-              <a:gd fmla="val 0" name="adj2"/>
-            </a:avLst>
-          </a:prstGeom>
-          <a:solidFill>
-            <a:srgbClr val="D9EAD3"/>
-          </a:solidFill>
-          <a:ln cap="flat" cmpd="sng" w="9525">
-            <a:solidFill>
-              <a:schemeClr val="dk2"/>
-            </a:solidFill>
-            <a:prstDash val="solid"/>
-            <a:round/>
-            <a:headEnd len="sm" w="sm" type="none"/>
-            <a:tailEnd len="sm" w="sm" type="none"/>
-          </a:ln>
-        </p:spPr>
-        <p:txBody>
-          <a:bodyPr anchorCtr="0" anchor="ctr" bIns="91425" lIns="91425" spcFirstLastPara="1" rIns="91425" wrap="square" tIns="91425">
-            <a:noAutofit/>
-          </a:bodyPr>
-          <a:lstStyle/>
-          <a:p>
-            <a:pPr indent="0" lvl="0" marL="0" rtl="0" algn="l">
-              <a:spcBef>
-                <a:spcPts val="0"/>
-              </a:spcBef>
-              <a:spcAft>
-                <a:spcPts val="0"/>
-              </a:spcAft>
-              <a:buNone/>
-            </a:pPr>
-            <a:r>
-              <a:rPr lang="en" sz="1500">
-                <a:latin typeface="Roboto"/>
-                <a:ea typeface="Roboto"/>
-                <a:cs typeface="Roboto"/>
-                <a:sym typeface="Roboto"/>
-              </a:rPr>
-              <a:t>Use traditional way like callbacks to run tasks based on timing</a:t>
-            </a:r>
-            <a:endParaRPr sz="1500"/>
           </a:p>
         </p:txBody>
       </p:sp>
@@ -13950,7 +14106,7 @@
   <p:cSld>
     <p:spTree>
       <p:nvGrpSpPr>
-        <p:cNvPr id="230" name="Shape 230"/>
+        <p:cNvPr id="228" name="Shape 228"/>
         <p:cNvGrpSpPr/>
         <p:nvPr/>
       </p:nvGrpSpPr>
@@ -13964,7 +14120,7 @@
       </p:grpSpPr>
       <p:sp>
         <p:nvSpPr>
-          <p:cNvPr id="231" name="Google Shape;231;p32"/>
+          <p:cNvPr id="229" name="Google Shape;229;p32"/>
           <p:cNvSpPr txBox="1"/>
           <p:nvPr>
             <p:ph type="title"/>
@@ -13972,8 +14128,8 @@
         </p:nvSpPr>
         <p:spPr>
           <a:xfrm>
-            <a:off x="311725" y="500925"/>
-            <a:ext cx="3706500" cy="2508900"/>
+            <a:off x="311725" y="348525"/>
+            <a:ext cx="8520600" cy="623700"/>
           </a:xfrm>
           <a:prstGeom prst="rect">
             <a:avLst/>
@@ -13996,167 +14152,183 @@
             </a:pPr>
             <a:r>
               <a:rPr lang="en"/>
-              <a:t>Final deliverable and success criteria</a:t>
+              <a:t>Solution approach 4: Notification logic</a:t>
             </a:r>
             <a:endParaRPr/>
+          </a:p>
+        </p:txBody>
+      </p:sp>
+      <p:sp>
+        <p:nvSpPr>
+          <p:cNvPr id="230" name="Google Shape;230;p32"/>
+          <p:cNvSpPr/>
+          <p:nvPr/>
+        </p:nvSpPr>
+        <p:spPr>
+          <a:xfrm>
+            <a:off x="551100" y="1461575"/>
+            <a:ext cx="6868800" cy="902700"/>
+          </a:xfrm>
+          <a:prstGeom prst="round2SameRect">
+            <a:avLst>
+              <a:gd fmla="val 16667" name="adj1"/>
+              <a:gd fmla="val 0" name="adj2"/>
+            </a:avLst>
+          </a:prstGeom>
+          <a:solidFill>
+            <a:srgbClr val="00FFFF"/>
+          </a:solidFill>
+          <a:ln cap="flat" cmpd="sng" w="9525">
+            <a:solidFill>
+              <a:schemeClr val="dk2"/>
+            </a:solidFill>
+            <a:prstDash val="solid"/>
+            <a:round/>
+            <a:headEnd len="sm" w="sm" type="none"/>
+            <a:tailEnd len="sm" w="sm" type="none"/>
+          </a:ln>
+        </p:spPr>
+        <p:txBody>
+          <a:bodyPr anchorCtr="0" anchor="ctr" bIns="91425" lIns="91425" spcFirstLastPara="1" rIns="91425" wrap="square" tIns="91425">
+            <a:noAutofit/>
+          </a:bodyPr>
+          <a:lstStyle/>
+          <a:p>
+            <a:pPr indent="0" lvl="0" marL="0" rtl="0" algn="l">
+              <a:spcBef>
+                <a:spcPts val="0"/>
+              </a:spcBef>
+              <a:spcAft>
+                <a:spcPts val="0"/>
+              </a:spcAft>
+              <a:buNone/>
+            </a:pPr>
+            <a:r>
+              <a:rPr lang="en" sz="1500">
+                <a:latin typeface="Roboto"/>
+                <a:ea typeface="Roboto"/>
+                <a:cs typeface="Roboto"/>
+                <a:sym typeface="Roboto"/>
+              </a:rPr>
+              <a:t>Initial thought: Chain Observables from the sensor data to notification!</a:t>
+            </a:r>
+            <a:endParaRPr sz="1500"/>
+          </a:p>
+        </p:txBody>
+      </p:sp>
+      <p:sp>
+        <p:nvSpPr>
+          <p:cNvPr id="231" name="Google Shape;231;p32"/>
+          <p:cNvSpPr/>
+          <p:nvPr/>
+        </p:nvSpPr>
+        <p:spPr>
+          <a:xfrm>
+            <a:off x="911150" y="2524475"/>
+            <a:ext cx="6868800" cy="902700"/>
+          </a:xfrm>
+          <a:prstGeom prst="round2SameRect">
+            <a:avLst>
+              <a:gd fmla="val 16667" name="adj1"/>
+              <a:gd fmla="val 0" name="adj2"/>
+            </a:avLst>
+          </a:prstGeom>
+          <a:solidFill>
+            <a:srgbClr val="FFD966"/>
+          </a:solidFill>
+          <a:ln cap="flat" cmpd="sng" w="9525">
+            <a:solidFill>
+              <a:schemeClr val="dk2"/>
+            </a:solidFill>
+            <a:prstDash val="solid"/>
+            <a:round/>
+            <a:headEnd len="sm" w="sm" type="none"/>
+            <a:tailEnd len="sm" w="sm" type="none"/>
+          </a:ln>
+        </p:spPr>
+        <p:txBody>
+          <a:bodyPr anchorCtr="0" anchor="ctr" bIns="91425" lIns="91425" spcFirstLastPara="1" rIns="91425" wrap="square" tIns="91425">
+            <a:noAutofit/>
+          </a:bodyPr>
+          <a:lstStyle/>
+          <a:p>
+            <a:pPr indent="0" lvl="0" marL="0" rtl="0" algn="l">
+              <a:spcBef>
+                <a:spcPts val="0"/>
+              </a:spcBef>
+              <a:spcAft>
+                <a:spcPts val="0"/>
+              </a:spcAft>
+              <a:buNone/>
+            </a:pPr>
+            <a:r>
+              <a:rPr lang="en" sz="1500">
+                <a:latin typeface="Roboto"/>
+                <a:ea typeface="Roboto"/>
+                <a:cs typeface="Roboto"/>
+                <a:sym typeface="Roboto"/>
+              </a:rPr>
+              <a:t>Low experience in reactiveX-tive way of thinking</a:t>
+            </a:r>
+            <a:endParaRPr sz="1500"/>
           </a:p>
         </p:txBody>
       </p:sp>
       <p:sp>
         <p:nvSpPr>
           <p:cNvPr id="232" name="Google Shape;232;p32"/>
-          <p:cNvSpPr txBox="1"/>
-          <p:nvPr>
-            <p:ph idx="1" type="body"/>
-          </p:nvPr>
+          <p:cNvSpPr/>
+          <p:nvPr/>
         </p:nvSpPr>
         <p:spPr>
           <a:xfrm>
-            <a:off x="4644675" y="76925"/>
-            <a:ext cx="4166400" cy="4978800"/>
-          </a:xfrm>
-          <a:prstGeom prst="rect">
-            <a:avLst/>
+            <a:off x="1510825" y="3699175"/>
+            <a:ext cx="6868800" cy="902700"/>
+          </a:xfrm>
+          <a:prstGeom prst="round2SameRect">
+            <a:avLst>
+              <a:gd fmla="val 16667" name="adj1"/>
+              <a:gd fmla="val 0" name="adj2"/>
+            </a:avLst>
           </a:prstGeom>
+          <a:solidFill>
+            <a:srgbClr val="D9EAD3"/>
+          </a:solidFill>
+          <a:ln cap="flat" cmpd="sng" w="9525">
+            <a:solidFill>
+              <a:schemeClr val="dk2"/>
+            </a:solidFill>
+            <a:prstDash val="solid"/>
+            <a:round/>
+            <a:headEnd len="sm" w="sm" type="none"/>
+            <a:tailEnd len="sm" w="sm" type="none"/>
+          </a:ln>
         </p:spPr>
         <p:txBody>
-          <a:bodyPr anchorCtr="0" anchor="t" bIns="91425" lIns="91425" spcFirstLastPara="1" rIns="91425" wrap="square" tIns="91425">
+          <a:bodyPr anchorCtr="0" anchor="ctr" bIns="91425" lIns="91425" spcFirstLastPara="1" rIns="91425" wrap="square" tIns="91425">
             <a:noAutofit/>
           </a:bodyPr>
           <a:lstStyle/>
           <a:p>
-            <a:pPr indent="0" lvl="0" marL="457200" rtl="0" algn="l">
-              <a:spcBef>
-                <a:spcPts val="0"/>
-              </a:spcBef>
-              <a:spcAft>
-                <a:spcPts val="0"/>
-              </a:spcAft>
-              <a:buNone/>
-            </a:pPr>
-            <a:r>
-              <a:rPr b="1" lang="en"/>
-              <a:t>o Our Final APP</a:t>
-            </a:r>
-            <a:endParaRPr b="1"/>
-          </a:p>
-          <a:p>
-            <a:pPr indent="0" lvl="0" marL="457200" rtl="0" algn="l">
-              <a:spcBef>
-                <a:spcPts val="1600"/>
-              </a:spcBef>
-              <a:spcAft>
-                <a:spcPts val="0"/>
-              </a:spcAft>
-              <a:buNone/>
-            </a:pPr>
-            <a:r>
-              <a:rPr lang="en"/>
-              <a:t> Using sensors of smart</a:t>
-            </a:r>
-            <a:r>
-              <a:rPr lang="en"/>
-              <a:t> </a:t>
-            </a:r>
-            <a:r>
-              <a:rPr lang="en"/>
-              <a:t>phone and watch, without setting fixed time people can get alarmed for their stretching and water drinking at their desired time interval.</a:t>
-            </a:r>
-            <a:endParaRPr/>
-          </a:p>
-          <a:p>
-            <a:pPr indent="0" lvl="0" marL="457200" rtl="0" algn="l">
-              <a:spcBef>
-                <a:spcPts val="1600"/>
-              </a:spcBef>
-              <a:spcAft>
-                <a:spcPts val="0"/>
-              </a:spcAft>
-              <a:buNone/>
-            </a:pPr>
-            <a:r>
-              <a:rPr lang="en"/>
-              <a:t>To give some sort of accomplishment sense, they will get success batch when they do stretching and drinking.  </a:t>
-            </a:r>
-            <a:endParaRPr/>
-          </a:p>
-          <a:p>
-            <a:pPr indent="0" lvl="0" marL="457200" rtl="0" algn="l">
-              <a:spcBef>
-                <a:spcPts val="1600"/>
-              </a:spcBef>
-              <a:spcAft>
-                <a:spcPts val="0"/>
-              </a:spcAft>
-              <a:buNone/>
-            </a:pPr>
-            <a:r>
-              <a:rPr lang="en"/>
-              <a:t>People can also record and share their health history about stretching and water drinking.</a:t>
-            </a:r>
-            <a:endParaRPr/>
-          </a:p>
-          <a:p>
-            <a:pPr indent="0" lvl="0" marL="457200" rtl="0" algn="l">
-              <a:spcBef>
-                <a:spcPts val="1600"/>
-              </a:spcBef>
-              <a:spcAft>
-                <a:spcPts val="0"/>
-              </a:spcAft>
-              <a:buNone/>
-            </a:pPr>
-            <a:r>
-              <a:rPr b="1" lang="en"/>
-              <a:t>o Our Success Criteria are</a:t>
-            </a:r>
-            <a:endParaRPr b="1"/>
-          </a:p>
-          <a:p>
-            <a:pPr indent="0" lvl="0" marL="457200" rtl="0" algn="l">
-              <a:spcBef>
-                <a:spcPts val="1600"/>
-              </a:spcBef>
-              <a:spcAft>
-                <a:spcPts val="0"/>
-              </a:spcAft>
-              <a:buNone/>
-            </a:pPr>
-            <a:r>
-              <a:rPr lang="en"/>
-              <a:t>If our model for moving gets upper 99% acc, one for water drinking gets upper 95% acc(19 of 20) and other functions(data recording and competing with others) are implemented, we will judge our project succeeds.</a:t>
-            </a:r>
-            <a:endParaRPr/>
-          </a:p>
-          <a:p>
-            <a:pPr indent="0" lvl="0" marL="457200" rtl="0" algn="l">
-              <a:spcBef>
-                <a:spcPts val="1600"/>
-              </a:spcBef>
-              <a:spcAft>
-                <a:spcPts val="0"/>
-              </a:spcAft>
-              <a:buNone/>
-            </a:pPr>
-            <a:r>
-              <a:t/>
-            </a:r>
-            <a:endParaRPr/>
-          </a:p>
-          <a:p>
-            <a:pPr indent="0" lvl="0" marL="457200" rtl="0" algn="l">
-              <a:spcBef>
-                <a:spcPts val="1600"/>
-              </a:spcBef>
-              <a:spcAft>
-                <a:spcPts val="1600"/>
-              </a:spcAft>
-              <a:buNone/>
-            </a:pPr>
-            <a:r>
-              <a:t/>
-            </a:r>
-            <a:endParaRPr/>
+            <a:pPr indent="0" lvl="0" marL="0" rtl="0" algn="l">
+              <a:spcBef>
+                <a:spcPts val="0"/>
+              </a:spcBef>
+              <a:spcAft>
+                <a:spcPts val="0"/>
+              </a:spcAft>
+              <a:buNone/>
+            </a:pPr>
+            <a:r>
+              <a:rPr lang="en" sz="1500">
+                <a:latin typeface="Roboto"/>
+                <a:ea typeface="Roboto"/>
+                <a:cs typeface="Roboto"/>
+                <a:sym typeface="Roboto"/>
+              </a:rPr>
+              <a:t>Use traditional way like callbacks to run tasks based on timing</a:t>
+            </a:r>
+            <a:endParaRPr sz="1500"/>
           </a:p>
         </p:txBody>
       </p:sp>
@@ -14190,13 +14362,13 @@
           <p:cNvPr id="237" name="Google Shape;237;p33"/>
           <p:cNvSpPr txBox="1"/>
           <p:nvPr>
-            <p:ph idx="1" type="body"/>
+            <p:ph type="title"/>
           </p:nvPr>
         </p:nvSpPr>
         <p:spPr>
           <a:xfrm>
-            <a:off x="311700" y="1505700"/>
-            <a:ext cx="3999900" cy="3076200"/>
+            <a:off x="311725" y="500925"/>
+            <a:ext cx="3706500" cy="2508900"/>
           </a:xfrm>
           <a:prstGeom prst="rect">
             <a:avLst/>
@@ -14208,74 +14380,18 @@
           </a:bodyPr>
           <a:lstStyle/>
           <a:p>
-            <a:pPr indent="-317500" lvl="0" marL="457200" rtl="0" algn="l">
-              <a:spcBef>
-                <a:spcPts val="2800"/>
-              </a:spcBef>
-              <a:spcAft>
-                <a:spcPts val="0"/>
-              </a:spcAft>
-              <a:buClr>
-                <a:srgbClr val="000000"/>
-              </a:buClr>
-              <a:buSzPts val="1400"/>
-              <a:buFont typeface="Arial"/>
-              <a:buChar char="●"/>
-            </a:pPr>
-            <a:r>
-              <a:rPr b="1" lang="en" sz="1600"/>
-              <a:t>Scope is same with Mid,</a:t>
-            </a:r>
-            <a:endParaRPr b="1" sz="1600"/>
-          </a:p>
-          <a:p>
-            <a:pPr indent="-317500" lvl="0" marL="457200" rtl="0" algn="l">
-              <a:spcBef>
-                <a:spcPts val="0"/>
-              </a:spcBef>
-              <a:spcAft>
-                <a:spcPts val="0"/>
-              </a:spcAft>
-              <a:buClr>
-                <a:srgbClr val="000000"/>
-              </a:buClr>
-              <a:buSzPts val="1400"/>
-              <a:buFont typeface="Arial"/>
-              <a:buChar char="●"/>
-            </a:pPr>
-            <a:r>
-              <a:rPr b="1" lang="en" sz="1600"/>
-              <a:t>All our plans were done! </a:t>
-            </a:r>
-            <a:endParaRPr b="1" sz="1600"/>
-          </a:p>
-          <a:p>
-            <a:pPr indent="0" lvl="0" marL="457200" rtl="0" algn="l">
-              <a:spcBef>
-                <a:spcPts val="2800"/>
-              </a:spcBef>
-              <a:spcAft>
-                <a:spcPts val="0"/>
-              </a:spcAft>
-              <a:buNone/>
-            </a:pPr>
-            <a:r>
-              <a:t/>
-            </a:r>
-            <a:endParaRPr/>
-          </a:p>
-          <a:p>
             <a:pPr indent="0" lvl="0" marL="0" rtl="0" algn="l">
               <a:spcBef>
-                <a:spcPts val="2800"/>
-              </a:spcBef>
-              <a:spcAft>
-                <a:spcPts val="1600"/>
-              </a:spcAft>
-              <a:buNone/>
-            </a:pPr>
-            <a:r>
-              <a:t/>
+                <a:spcPts val="0"/>
+              </a:spcBef>
+              <a:spcAft>
+                <a:spcPts val="0"/>
+              </a:spcAft>
+              <a:buNone/>
+            </a:pPr>
+            <a:r>
+              <a:rPr lang="en"/>
+              <a:t>Final deliverable and success criteria</a:t>
             </a:r>
             <a:endParaRPr/>
           </a:p>
@@ -14286,13 +14402,13 @@
           <p:cNvPr id="238" name="Google Shape;238;p33"/>
           <p:cNvSpPr txBox="1"/>
           <p:nvPr>
-            <p:ph type="title"/>
+            <p:ph idx="1" type="body"/>
           </p:nvPr>
         </p:nvSpPr>
         <p:spPr>
           <a:xfrm>
-            <a:off x="311725" y="500925"/>
-            <a:ext cx="8520600" cy="623700"/>
+            <a:off x="4644675" y="76925"/>
+            <a:ext cx="4166400" cy="4978800"/>
           </a:xfrm>
           <a:prstGeom prst="rect">
             <a:avLst/>
@@ -14304,9 +14420,25 @@
           </a:bodyPr>
           <a:lstStyle/>
           <a:p>
-            <a:pPr indent="0" lvl="0" marL="0" rtl="0" algn="l">
-              <a:spcBef>
-                <a:spcPts val="0"/>
+            <a:pPr indent="0" lvl="0" marL="457200" rtl="0" algn="l">
+              <a:spcBef>
+                <a:spcPts val="0"/>
+              </a:spcBef>
+              <a:spcAft>
+                <a:spcPts val="0"/>
+              </a:spcAft>
+              <a:buNone/>
+            </a:pPr>
+            <a:r>
+              <a:rPr b="1" lang="en"/>
+              <a:t>o Our Final APP</a:t>
+            </a:r>
+            <a:endParaRPr b="1"/>
+          </a:p>
+          <a:p>
+            <a:pPr indent="0" lvl="0" marL="457200" rtl="0" algn="l">
+              <a:spcBef>
+                <a:spcPts val="1600"/>
               </a:spcBef>
               <a:spcAft>
                 <a:spcPts val="0"/>
@@ -14315,272 +14447,111 @@
             </a:pPr>
             <a:r>
               <a:rPr lang="en"/>
-              <a:t>Scope of the project</a:t>
+              <a:t> Using sensors of smart</a:t>
+            </a:r>
+            <a:r>
+              <a:rPr lang="en"/>
+              <a:t> </a:t>
+            </a:r>
+            <a:r>
+              <a:rPr lang="en"/>
+              <a:t>phone and watch, without setting fixed time people can get alarmed for their stretching and water drinking at their desired time interval.</a:t>
             </a:r>
             <a:endParaRPr/>
           </a:p>
-        </p:txBody>
-      </p:sp>
-      <p:sp>
-        <p:nvSpPr>
-          <p:cNvPr id="239" name="Google Shape;239;p33"/>
-          <p:cNvSpPr txBox="1"/>
-          <p:nvPr>
-            <p:ph idx="2" type="body"/>
-          </p:nvPr>
-        </p:nvSpPr>
-        <p:spPr>
-          <a:xfrm>
-            <a:off x="4832400" y="1505700"/>
-            <a:ext cx="3999900" cy="3076200"/>
-          </a:xfrm>
-          <a:prstGeom prst="rect">
-            <a:avLst/>
-          </a:prstGeom>
-        </p:spPr>
-        <p:txBody>
-          <a:bodyPr anchorCtr="0" anchor="t" bIns="91425" lIns="91425" spcFirstLastPara="1" rIns="91425" wrap="square" tIns="91425">
-            <a:noAutofit/>
-          </a:bodyPr>
-          <a:lstStyle/>
-          <a:p>
-            <a:pPr indent="-323850" lvl="0" marL="457200" rtl="0" algn="l">
-              <a:spcBef>
-                <a:spcPts val="0"/>
-              </a:spcBef>
-              <a:spcAft>
-                <a:spcPts val="0"/>
-              </a:spcAft>
-              <a:buClr>
-                <a:srgbClr val="24292E"/>
-              </a:buClr>
-              <a:buSzPts val="1500"/>
-              <a:buChar char="●"/>
-            </a:pPr>
-            <a:r>
-              <a:rPr b="1" i="1" lang="en" sz="1500" u="sng">
-                <a:solidFill>
-                  <a:srgbClr val="24292E"/>
-                </a:solidFill>
-              </a:rPr>
-              <a:t>What are to be done (in Mid)</a:t>
-            </a:r>
-            <a:endParaRPr b="1" i="1" sz="1500" u="sng">
-              <a:solidFill>
-                <a:srgbClr val="24292E"/>
-              </a:solidFill>
-            </a:endParaRPr>
-          </a:p>
-          <a:p>
-            <a:pPr indent="-304800" lvl="1" marL="914400" rtl="0" algn="l">
-              <a:spcBef>
-                <a:spcPts val="0"/>
-              </a:spcBef>
-              <a:spcAft>
-                <a:spcPts val="0"/>
-              </a:spcAft>
-              <a:buClr>
-                <a:srgbClr val="24292E"/>
-              </a:buClr>
-              <a:buSzPts val="1200"/>
-              <a:buChar char="○"/>
-            </a:pPr>
-            <a:r>
-              <a:rPr i="1" lang="en" sz="1200" u="sng">
-                <a:solidFill>
-                  <a:srgbClr val="24292E"/>
-                </a:solidFill>
-              </a:rPr>
-              <a:t>Implement bluetooth communication between smartphone and watch</a:t>
-            </a:r>
-            <a:endParaRPr i="1" sz="1200" u="sng">
-              <a:solidFill>
-                <a:srgbClr val="24292E"/>
-              </a:solidFill>
-            </a:endParaRPr>
-          </a:p>
-          <a:p>
-            <a:pPr indent="-304800" lvl="1" marL="914400" rtl="0" algn="l">
-              <a:spcBef>
-                <a:spcPts val="0"/>
-              </a:spcBef>
-              <a:spcAft>
-                <a:spcPts val="0"/>
-              </a:spcAft>
-              <a:buClr>
-                <a:srgbClr val="24292E"/>
-              </a:buClr>
-              <a:buSzPts val="1200"/>
-              <a:buChar char="○"/>
-            </a:pPr>
-            <a:r>
-              <a:rPr i="1" lang="en" sz="1200" u="sng">
-                <a:solidFill>
-                  <a:srgbClr val="24292E"/>
-                </a:solidFill>
-              </a:rPr>
-              <a:t>Improve model accuracy on detecting water drinking by using DL model and feature engineering</a:t>
-            </a:r>
-            <a:endParaRPr i="1" sz="1200" u="sng">
-              <a:solidFill>
-                <a:srgbClr val="24292E"/>
-              </a:solidFill>
-            </a:endParaRPr>
-          </a:p>
-          <a:p>
-            <a:pPr indent="-304800" lvl="1" marL="914400" rtl="0" algn="l">
-              <a:spcBef>
-                <a:spcPts val="0"/>
-              </a:spcBef>
-              <a:spcAft>
-                <a:spcPts val="0"/>
-              </a:spcAft>
-              <a:buClr>
-                <a:srgbClr val="24292E"/>
-              </a:buClr>
-              <a:buSzPts val="1200"/>
-              <a:buChar char="○"/>
-            </a:pPr>
-            <a:r>
-              <a:rPr i="1" lang="en" sz="1200" u="sng">
-                <a:solidFill>
-                  <a:srgbClr val="24292E"/>
-                </a:solidFill>
-              </a:rPr>
-              <a:t>Develop proper backend</a:t>
-            </a:r>
-            <a:endParaRPr i="1" sz="1200" u="sng">
-              <a:solidFill>
-                <a:srgbClr val="24292E"/>
-              </a:solidFill>
-            </a:endParaRPr>
-          </a:p>
-          <a:p>
-            <a:pPr indent="-304800" lvl="1" marL="914400" rtl="0" algn="l">
-              <a:spcBef>
-                <a:spcPts val="0"/>
-              </a:spcBef>
-              <a:spcAft>
-                <a:spcPts val="0"/>
-              </a:spcAft>
-              <a:buClr>
-                <a:srgbClr val="24292E"/>
-              </a:buClr>
-              <a:buSzPts val="1200"/>
-              <a:buChar char="○"/>
-            </a:pPr>
-            <a:r>
-              <a:rPr i="1" lang="en" sz="1200" u="sng">
-                <a:solidFill>
-                  <a:srgbClr val="24292E"/>
-                </a:solidFill>
-              </a:rPr>
-              <a:t>Add community feature like ranking or competition</a:t>
-            </a:r>
-            <a:endParaRPr i="1" sz="1200" u="sng">
-              <a:solidFill>
-                <a:srgbClr val="24292E"/>
-              </a:solidFill>
-            </a:endParaRPr>
-          </a:p>
-          <a:p>
-            <a:pPr indent="-304800" lvl="1" marL="914400" rtl="0" algn="l">
-              <a:spcBef>
-                <a:spcPts val="0"/>
-              </a:spcBef>
-              <a:spcAft>
-                <a:spcPts val="0"/>
-              </a:spcAft>
-              <a:buClr>
-                <a:srgbClr val="24292E"/>
-              </a:buClr>
-              <a:buSzPts val="1200"/>
-              <a:buChar char="○"/>
-            </a:pPr>
-            <a:r>
-              <a:rPr i="1" lang="en" sz="1200" u="sng">
-                <a:solidFill>
-                  <a:srgbClr val="24292E"/>
-                </a:solidFill>
-              </a:rPr>
-              <a:t>Improve UI/UX</a:t>
-            </a:r>
-            <a:endParaRPr i="1" sz="1200" u="sng">
-              <a:solidFill>
-                <a:srgbClr val="24292E"/>
-              </a:solidFill>
-            </a:endParaRPr>
-          </a:p>
-          <a:p>
-            <a:pPr indent="-304800" lvl="1" marL="914400" rtl="0" algn="l">
-              <a:spcBef>
-                <a:spcPts val="0"/>
-              </a:spcBef>
-              <a:spcAft>
-                <a:spcPts val="0"/>
-              </a:spcAft>
-              <a:buClr>
-                <a:srgbClr val="24292E"/>
-              </a:buClr>
-              <a:buSzPts val="1200"/>
-              <a:buChar char="○"/>
-            </a:pPr>
-            <a:r>
-              <a:rPr i="1" lang="en" sz="1200" u="sng">
-                <a:solidFill>
-                  <a:srgbClr val="24292E"/>
-                </a:solidFill>
-              </a:rPr>
-              <a:t>Deploy server</a:t>
-            </a:r>
-            <a:endParaRPr i="1" sz="1200" u="sng">
-              <a:solidFill>
-                <a:srgbClr val="24292E"/>
-              </a:solidFill>
-            </a:endParaRPr>
-          </a:p>
-          <a:p>
-            <a:pPr indent="-304800" lvl="1" marL="914400" rtl="0" algn="l">
-              <a:spcBef>
-                <a:spcPts val="0"/>
-              </a:spcBef>
-              <a:spcAft>
-                <a:spcPts val="0"/>
-              </a:spcAft>
-              <a:buClr>
-                <a:srgbClr val="24292E"/>
-              </a:buClr>
-              <a:buSzPts val="1200"/>
-              <a:buChar char="○"/>
-            </a:pPr>
-            <a:r>
-              <a:rPr i="1" lang="en" sz="1200" u="sng">
-                <a:solidFill>
-                  <a:srgbClr val="24292E"/>
-                </a:solidFill>
-              </a:rPr>
-              <a:t>Testing</a:t>
-            </a:r>
-            <a:endParaRPr i="1" sz="1200" u="sng">
-              <a:solidFill>
-                <a:srgbClr val="24292E"/>
-              </a:solidFill>
-            </a:endParaRPr>
-          </a:p>
-          <a:p>
-            <a:pPr indent="0" lvl="0" marL="0" rtl="0" algn="l">
+          <a:p>
+            <a:pPr indent="0" lvl="0" marL="457200" rtl="0" algn="l">
               <a:spcBef>
                 <a:spcPts val="1600"/>
               </a:spcBef>
               <a:spcAft>
+                <a:spcPts val="0"/>
+              </a:spcAft>
+              <a:buNone/>
+            </a:pPr>
+            <a:r>
+              <a:rPr lang="en"/>
+              <a:t>To give some sort of accomplishment sense, they will get success batch when they do stretching and drinking.  </a:t>
+            </a:r>
+            <a:endParaRPr/>
+          </a:p>
+          <a:p>
+            <a:pPr indent="0" lvl="0" marL="457200" rtl="0" algn="l">
+              <a:spcBef>
                 <a:spcPts val="1600"/>
+              </a:spcBef>
+              <a:spcAft>
+                <a:spcPts val="0"/>
+              </a:spcAft>
+              <a:buNone/>
+            </a:pPr>
+            <a:r>
+              <a:rPr lang="en"/>
+              <a:t>People can also record and share their health history about stretching and water drinking.</a:t>
+            </a:r>
+            <a:endParaRPr/>
+          </a:p>
+          <a:p>
+            <a:pPr indent="0" lvl="0" marL="457200" rtl="0" algn="l">
+              <a:spcBef>
+                <a:spcPts val="1600"/>
+              </a:spcBef>
+              <a:spcAft>
+                <a:spcPts val="0"/>
+              </a:spcAft>
+              <a:buNone/>
+            </a:pPr>
+            <a:r>
+              <a:rPr b="1" lang="en"/>
+              <a:t>o Our Success Criteria are</a:t>
+            </a:r>
+            <a:endParaRPr b="1"/>
+          </a:p>
+          <a:p>
+            <a:pPr indent="0" lvl="0" marL="457200" rtl="0" algn="l">
+              <a:spcBef>
+                <a:spcPts val="1600"/>
+              </a:spcBef>
+              <a:spcAft>
+                <a:spcPts val="0"/>
+              </a:spcAft>
+              <a:buNone/>
+            </a:pPr>
+            <a:r>
+              <a:rPr lang="en"/>
+              <a:t>If our model for moving gets upper 99% acc, one for water drinking gets upper 95% acc(19 of 20) and other functions(data recording and competing with others) are implemented, we will judge our project succeeds.</a:t>
+            </a:r>
+            <a:endParaRPr/>
+          </a:p>
+          <a:p>
+            <a:pPr indent="0" lvl="0" marL="457200" rtl="0" algn="l">
+              <a:spcBef>
+                <a:spcPts val="1600"/>
+              </a:spcBef>
+              <a:spcAft>
+                <a:spcPts val="0"/>
               </a:spcAft>
               <a:buNone/>
             </a:pPr>
             <a:r>
               <a:t/>
             </a:r>
-            <a:endParaRPr i="1" u="sng"/>
+            <a:endParaRPr/>
+          </a:p>
+          <a:p>
+            <a:pPr indent="0" lvl="0" marL="457200" rtl="0" algn="l">
+              <a:spcBef>
+                <a:spcPts val="1600"/>
+              </a:spcBef>
+              <a:spcAft>
+                <a:spcPts val="1600"/>
+              </a:spcAft>
+              <a:buNone/>
+            </a:pPr>
+            <a:r>
+              <a:t/>
+            </a:r>
+            <a:endParaRPr/>
           </a:p>
         </p:txBody>
       </p:sp>
@@ -14597,7 +14568,7 @@
   <p:cSld>
     <p:spTree>
       <p:nvGrpSpPr>
-        <p:cNvPr id="243" name="Shape 243"/>
+        <p:cNvPr id="242" name="Shape 242"/>
         <p:cNvGrpSpPr/>
         <p:nvPr/>
       </p:nvGrpSpPr>
@@ -14611,6 +14582,102 @@
       </p:grpSpPr>
       <p:sp>
         <p:nvSpPr>
+          <p:cNvPr id="243" name="Google Shape;243;p34"/>
+          <p:cNvSpPr txBox="1"/>
+          <p:nvPr>
+            <p:ph idx="1" type="body"/>
+          </p:nvPr>
+        </p:nvSpPr>
+        <p:spPr>
+          <a:xfrm>
+            <a:off x="311700" y="1505700"/>
+            <a:ext cx="3999900" cy="3076200"/>
+          </a:xfrm>
+          <a:prstGeom prst="rect">
+            <a:avLst/>
+          </a:prstGeom>
+        </p:spPr>
+        <p:txBody>
+          <a:bodyPr anchorCtr="0" anchor="t" bIns="91425" lIns="91425" spcFirstLastPara="1" rIns="91425" wrap="square" tIns="91425">
+            <a:noAutofit/>
+          </a:bodyPr>
+          <a:lstStyle/>
+          <a:p>
+            <a:pPr indent="-317500" lvl="0" marL="457200" rtl="0" algn="l">
+              <a:spcBef>
+                <a:spcPts val="2800"/>
+              </a:spcBef>
+              <a:spcAft>
+                <a:spcPts val="0"/>
+              </a:spcAft>
+              <a:buClr>
+                <a:srgbClr val="000000"/>
+              </a:buClr>
+              <a:buSzPts val="1400"/>
+              <a:buFont typeface="Arial"/>
+              <a:buChar char="●"/>
+            </a:pPr>
+            <a:r>
+              <a:rPr b="1" lang="en" sz="1600"/>
+              <a:t>Scope is same with Mid,</a:t>
+            </a:r>
+            <a:endParaRPr b="1" sz="1600"/>
+          </a:p>
+          <a:p>
+            <a:pPr indent="-317500" lvl="0" marL="457200" rtl="0" algn="l">
+              <a:spcBef>
+                <a:spcPts val="0"/>
+              </a:spcBef>
+              <a:spcAft>
+                <a:spcPts val="0"/>
+              </a:spcAft>
+              <a:buClr>
+                <a:srgbClr val="000000"/>
+              </a:buClr>
+              <a:buSzPts val="1400"/>
+              <a:buFont typeface="Arial"/>
+              <a:buChar char="●"/>
+            </a:pPr>
+            <a:r>
+              <a:rPr b="1" lang="en" sz="1600"/>
+              <a:t>All our plans were done! </a:t>
+            </a:r>
+            <a:endParaRPr b="1" sz="1600"/>
+          </a:p>
+          <a:p>
+            <a:pPr indent="0" lvl="0" marL="457200" rtl="0" algn="l">
+              <a:spcBef>
+                <a:spcPts val="2800"/>
+              </a:spcBef>
+              <a:spcAft>
+                <a:spcPts val="0"/>
+              </a:spcAft>
+              <a:buNone/>
+            </a:pPr>
+            <a:r>
+              <a:t/>
+            </a:r>
+            <a:endParaRPr/>
+          </a:p>
+          <a:p>
+            <a:pPr indent="0" lvl="0" marL="0" rtl="0" algn="l">
+              <a:spcBef>
+                <a:spcPts val="2800"/>
+              </a:spcBef>
+              <a:spcAft>
+                <a:spcPts val="1600"/>
+              </a:spcAft>
+              <a:buNone/>
+            </a:pPr>
+            <a:r>
+              <a:t/>
+            </a:r>
+            <a:endParaRPr/>
+          </a:p>
+        </p:txBody>
+      </p:sp>
+      <p:sp>
+        <p:nvSpPr>
           <p:cNvPr id="244" name="Google Shape;244;p34"/>
           <p:cNvSpPr txBox="1"/>
           <p:nvPr>
@@ -14619,7 +14686,7 @@
         </p:nvSpPr>
         <p:spPr>
           <a:xfrm>
-            <a:off x="311725" y="348525"/>
+            <a:off x="311725" y="500925"/>
             <a:ext cx="8520600" cy="623700"/>
           </a:xfrm>
           <a:prstGeom prst="rect">
@@ -14643,7 +14710,7 @@
             </a:pPr>
             <a:r>
               <a:rPr lang="en"/>
-              <a:t>Project schedule - Timeline</a:t>
+              <a:t>Scope of the project</a:t>
             </a:r>
             <a:endParaRPr/>
           </a:p>
@@ -14654,13 +14721,13 @@
           <p:cNvPr id="245" name="Google Shape;245;p34"/>
           <p:cNvSpPr txBox="1"/>
           <p:nvPr>
-            <p:ph idx="4294967295" type="body"/>
+            <p:ph idx="2" type="body"/>
           </p:nvPr>
         </p:nvSpPr>
         <p:spPr>
           <a:xfrm>
-            <a:off x="183900" y="1146300"/>
-            <a:ext cx="3999900" cy="4133100"/>
+            <a:off x="4832400" y="1505700"/>
+            <a:ext cx="3999900" cy="3076200"/>
           </a:xfrm>
           <a:prstGeom prst="rect">
             <a:avLst/>
@@ -14686,14 +14753,14 @@
               <a:buChar char="●"/>
             </a:pPr>
             <a:r>
-              <a:rPr b="1" lang="en" sz="1500">
+              <a:rPr b="1" i="1" lang="en" sz="1500" u="sng">
                 <a:solidFill>
                   <a:srgbClr val="24292E"/>
                 </a:solidFill>
               </a:rPr>
-              <a:t>What were done</a:t>
-            </a:r>
-            <a:endParaRPr b="1" sz="1500">
+              <a:t>What are to be done (in Mid)</a:t>
+            </a:r>
+            <a:endParaRPr b="1" i="1" sz="1500" u="sng">
               <a:solidFill>
                 <a:srgbClr val="24292E"/>
               </a:solidFill>
@@ -14714,14 +14781,14 @@
               <a:buChar char="○"/>
             </a:pPr>
             <a:r>
-              <a:rPr lang="en" sz="1200">
+              <a:rPr i="1" lang="en" sz="1200" u="sng">
                 <a:solidFill>
                   <a:srgbClr val="24292E"/>
                 </a:solidFill>
               </a:rPr>
-              <a:t>Build skeleton app for frontend</a:t>
-            </a:r>
-            <a:endParaRPr sz="1200">
+              <a:t>Implement bluetooth communication between smartphone and watch</a:t>
+            </a:r>
+            <a:endParaRPr i="1" sz="1200" u="sng">
               <a:solidFill>
                 <a:srgbClr val="24292E"/>
               </a:solidFill>
@@ -14742,14 +14809,14 @@
               <a:buChar char="○"/>
             </a:pPr>
             <a:r>
-              <a:rPr lang="en" sz="1200">
+              <a:rPr i="1" lang="en" sz="1200" u="sng">
                 <a:solidFill>
                   <a:srgbClr val="24292E"/>
                 </a:solidFill>
               </a:rPr>
-              <a:t>Gather sensor data from smartphone and watch</a:t>
-            </a:r>
-            <a:endParaRPr sz="1200">
+              <a:t>Improve model accuracy on detecting water drinking by using DL model and feature engineering</a:t>
+            </a:r>
+            <a:endParaRPr i="1" sz="1200" u="sng">
               <a:solidFill>
                 <a:srgbClr val="24292E"/>
               </a:solidFill>
@@ -14770,14 +14837,14 @@
               <a:buChar char="○"/>
             </a:pPr>
             <a:r>
-              <a:rPr lang="en" sz="1200">
+              <a:rPr i="1" lang="en" sz="1200" u="sng">
                 <a:solidFill>
                   <a:srgbClr val="24292E"/>
                 </a:solidFill>
               </a:rPr>
-              <a:t>Develop heuristic/ML model for detecting user status(moving, drinking water)</a:t>
-            </a:r>
-            <a:endParaRPr sz="1200">
+              <a:t>Develop proper backend</a:t>
+            </a:r>
+            <a:endParaRPr i="1" sz="1200" u="sng">
               <a:solidFill>
                 <a:srgbClr val="24292E"/>
               </a:solidFill>
@@ -14798,14 +14865,14 @@
               <a:buChar char="○"/>
             </a:pPr>
             <a:r>
-              <a:rPr lang="en" sz="1200">
+              <a:rPr i="1" lang="en" sz="1200" u="sng">
                 <a:solidFill>
                   <a:srgbClr val="24292E"/>
                 </a:solidFill>
               </a:rPr>
-              <a:t>Implement app’s background service part for giving notification</a:t>
-            </a:r>
-            <a:endParaRPr sz="1200">
+              <a:t>Add community feature like ranking or competition</a:t>
+            </a:r>
+            <a:endParaRPr i="1" sz="1200" u="sng">
               <a:solidFill>
                 <a:srgbClr val="24292E"/>
               </a:solidFill>
@@ -14826,14 +14893,14 @@
               <a:buChar char="○"/>
             </a:pPr>
             <a:r>
-              <a:rPr lang="en" sz="1200">
+              <a:rPr i="1" lang="en" sz="1200" u="sng">
                 <a:solidFill>
                   <a:srgbClr val="24292E"/>
                 </a:solidFill>
               </a:rPr>
-              <a:t>Implement bluetooth communication between smartphone and watch</a:t>
-            </a:r>
-            <a:endParaRPr sz="1200">
+              <a:t>Improve UI/UX</a:t>
+            </a:r>
+            <a:endParaRPr i="1" sz="1200" u="sng">
               <a:solidFill>
                 <a:srgbClr val="24292E"/>
               </a:solidFill>
@@ -14854,14 +14921,14 @@
               <a:buChar char="○"/>
             </a:pPr>
             <a:r>
-              <a:rPr lang="en" sz="1200">
+              <a:rPr i="1" lang="en" sz="1200" u="sng">
                 <a:solidFill>
                   <a:srgbClr val="24292E"/>
                 </a:solidFill>
               </a:rPr>
-              <a:t>Improve model accuracy on detecting water drinking by using DL model and feature engineering</a:t>
-            </a:r>
-            <a:endParaRPr sz="1200">
+              <a:t>Deploy server</a:t>
+            </a:r>
+            <a:endParaRPr i="1" sz="1200" u="sng">
               <a:solidFill>
                 <a:srgbClr val="24292E"/>
               </a:solidFill>
@@ -14882,102 +14949,33 @@
               <a:buChar char="○"/>
             </a:pPr>
             <a:r>
-              <a:rPr lang="en" sz="1200">
+              <a:rPr i="1" lang="en" sz="1200" u="sng">
                 <a:solidFill>
                   <a:srgbClr val="24292E"/>
                 </a:solidFill>
               </a:rPr>
-              <a:t>Improve UI/UX</a:t>
-            </a:r>
-            <a:endParaRPr sz="1200">
+              <a:t>Testing</a:t>
+            </a:r>
+            <a:endParaRPr i="1" sz="1200" u="sng">
               <a:solidFill>
                 <a:srgbClr val="24292E"/>
               </a:solidFill>
             </a:endParaRPr>
           </a:p>
           <a:p>
-            <a:pPr indent="-304800" lvl="1" marL="914400" rtl="0" algn="l">
-              <a:spcBef>
-                <a:spcPts val="0"/>
-              </a:spcBef>
-              <a:spcAft>
-                <a:spcPts val="0"/>
-              </a:spcAft>
-              <a:buClr>
-                <a:srgbClr val="24292E"/>
-              </a:buClr>
-              <a:buSzPts val="1200"/>
-              <a:buChar char="○"/>
-            </a:pPr>
-            <a:r>
-              <a:rPr lang="en" sz="1200">
-                <a:solidFill>
-                  <a:srgbClr val="24292E"/>
-                </a:solidFill>
-              </a:rPr>
-              <a:t>Deploy server</a:t>
-            </a:r>
-            <a:endParaRPr sz="1200">
-              <a:solidFill>
-                <a:srgbClr val="24292E"/>
-              </a:solidFill>
-            </a:endParaRPr>
-          </a:p>
-          <a:p>
-            <a:pPr indent="-304800" lvl="1" marL="914400" rtl="0" algn="l">
-              <a:spcBef>
-                <a:spcPts val="0"/>
-              </a:spcBef>
-              <a:spcAft>
-                <a:spcPts val="0"/>
-              </a:spcAft>
-              <a:buClr>
-                <a:srgbClr val="24292E"/>
-              </a:buClr>
-              <a:buSzPts val="1200"/>
-              <a:buChar char="○"/>
-            </a:pPr>
-            <a:r>
-              <a:rPr lang="en" sz="1200">
-                <a:solidFill>
-                  <a:srgbClr val="24292E"/>
-                </a:solidFill>
-              </a:rPr>
-              <a:t>Develop proper backend</a:t>
-            </a:r>
-            <a:endParaRPr sz="1200">
-              <a:solidFill>
-                <a:srgbClr val="24292E"/>
-              </a:solidFill>
-            </a:endParaRPr>
-          </a:p>
-          <a:p>
-            <a:pPr indent="-304800" lvl="1" marL="914400" rtl="0" algn="l">
-              <a:spcBef>
-                <a:spcPts val="0"/>
-              </a:spcBef>
-              <a:spcAft>
-                <a:spcPts val="0"/>
-              </a:spcAft>
-              <a:buClr>
-                <a:srgbClr val="24292E"/>
-              </a:buClr>
-              <a:buSzPts val="1200"/>
-              <a:buChar char="○"/>
-            </a:pPr>
-            <a:r>
-              <a:rPr lang="en" sz="1200">
-                <a:solidFill>
-                  <a:srgbClr val="24292E"/>
-                </a:solidFill>
-              </a:rPr>
-              <a:t>Add community feature like ranking or competition</a:t>
-            </a:r>
-            <a:endParaRPr sz="1200">
-              <a:solidFill>
-                <a:srgbClr val="24292E"/>
-              </a:solidFill>
-            </a:endParaRPr>
+            <a:pPr indent="0" lvl="0" marL="0" rtl="0" algn="l">
+              <a:spcBef>
+                <a:spcPts val="1600"/>
+              </a:spcBef>
+              <a:spcAft>
+                <a:spcPts val="1600"/>
+              </a:spcAft>
+              <a:buNone/>
+            </a:pPr>
+            <a:r>
+              <a:t/>
+            </a:r>
+            <a:endParaRPr i="1" u="sng"/>
           </a:p>
         </p:txBody>
       </p:sp>
@@ -15040,1419 +15038,40 @@
             </a:pPr>
             <a:r>
               <a:rPr lang="en"/>
-              <a:t>Project schedule - Things that are done</a:t>
+              <a:t>Project schedule - Done list before Mid</a:t>
             </a:r>
             <a:endParaRPr/>
           </a:p>
         </p:txBody>
       </p:sp>
-      <p:graphicFrame>
-        <p:nvGraphicFramePr>
+      <p:pic>
+        <p:nvPicPr>
           <p:cNvPr id="251" name="Google Shape;251;p35"/>
-          <p:cNvGraphicFramePr/>
+          <p:cNvPicPr preferRelativeResize="0"/>
           <p:nvPr/>
-        </p:nvGraphicFramePr>
-        <p:xfrm>
-          <a:off x="1006100" y="1288075"/>
-          <a:ext cx="3000000" cy="3000000"/>
-        </p:xfrm>
-        <a:graphic>
-          <a:graphicData uri="http://schemas.openxmlformats.org/drawingml/2006/table">
-            <a:tbl>
-              <a:tblPr>
-                <a:noFill/>
-                <a:tableStyleId>{A8E61ADB-F300-43EF-80D8-7002E59BAA9C}</a:tableStyleId>
-              </a:tblPr>
-              <a:tblGrid>
-                <a:gridCol w="3505200"/>
-                <a:gridCol w="3543300"/>
-              </a:tblGrid>
-              <a:tr h="365375">
-                <a:tc>
-                  <a:txBody>
-                    <a:bodyPr/>
-                    <a:lstStyle/>
-                    <a:p>
-                      <a:pPr indent="0" lvl="0" marL="0" rtl="0" algn="l">
-                        <a:lnSpc>
-                          <a:spcPct val="115000"/>
-                        </a:lnSpc>
-                        <a:spcBef>
-                          <a:spcPts val="0"/>
-                        </a:spcBef>
-                        <a:spcAft>
-                          <a:spcPts val="0"/>
-                        </a:spcAft>
-                        <a:buNone/>
-                      </a:pPr>
-                      <a:r>
-                        <a:rPr b="1" lang="en" sz="1300">
-                          <a:solidFill>
-                            <a:srgbClr val="31394D"/>
-                          </a:solidFill>
-                          <a:latin typeface="Roboto"/>
-                          <a:ea typeface="Roboto"/>
-                          <a:cs typeface="Roboto"/>
-                          <a:sym typeface="Roboto"/>
-                        </a:rPr>
-                        <a:t>Feature</a:t>
-                      </a:r>
-                      <a:endParaRPr b="1" sz="1300">
-                        <a:solidFill>
-                          <a:srgbClr val="31394D"/>
-                        </a:solidFill>
-                        <a:latin typeface="Roboto"/>
-                        <a:ea typeface="Roboto"/>
-                        <a:cs typeface="Roboto"/>
-                        <a:sym typeface="Roboto"/>
-                      </a:endParaRPr>
-                    </a:p>
-                  </a:txBody>
-                  <a:tcPr marT="91425" marB="91425" marR="91425" marL="91425">
-                    <a:lnL cap="flat" cmpd="sng" w="9525">
-                      <a:solidFill>
-                        <a:srgbClr val="000000"/>
-                      </a:solidFill>
-                      <a:prstDash val="solid"/>
-                      <a:round/>
-                      <a:headEnd len="sm" w="sm" type="none"/>
-                      <a:tailEnd len="sm" w="sm" type="none"/>
-                    </a:lnL>
-                    <a:lnR cap="flat" cmpd="sng" w="9525">
-                      <a:solidFill>
-                        <a:srgbClr val="000000"/>
-                      </a:solidFill>
-                      <a:prstDash val="solid"/>
-                      <a:round/>
-                      <a:headEnd len="sm" w="sm" type="none"/>
-                      <a:tailEnd len="sm" w="sm" type="none"/>
-                    </a:lnR>
-                    <a:lnT cap="flat" cmpd="sng" w="9525">
-                      <a:solidFill>
-                        <a:srgbClr val="000000"/>
-                      </a:solidFill>
-                      <a:prstDash val="solid"/>
-                      <a:round/>
-                      <a:headEnd len="sm" w="sm" type="none"/>
-                      <a:tailEnd len="sm" w="sm" type="none"/>
-                    </a:lnT>
-                    <a:lnB cap="flat" cmpd="sng" w="9525">
-                      <a:solidFill>
-                        <a:srgbClr val="000000"/>
-                      </a:solidFill>
-                      <a:prstDash val="solid"/>
-                      <a:round/>
-                      <a:headEnd len="sm" w="sm" type="none"/>
-                      <a:tailEnd len="sm" w="sm" type="none"/>
-                    </a:lnB>
-                    <a:solidFill>
-                      <a:srgbClr val="B7B7B7"/>
-                    </a:solidFill>
-                  </a:tcPr>
-                </a:tc>
-                <a:tc>
-                  <a:txBody>
-                    <a:bodyPr/>
-                    <a:lstStyle/>
-                    <a:p>
-                      <a:pPr indent="0" lvl="0" marL="0" rtl="0" algn="l">
-                        <a:lnSpc>
-                          <a:spcPct val="115000"/>
-                        </a:lnSpc>
-                        <a:spcBef>
-                          <a:spcPts val="0"/>
-                        </a:spcBef>
-                        <a:spcAft>
-                          <a:spcPts val="0"/>
-                        </a:spcAft>
-                        <a:buNone/>
-                      </a:pPr>
-                      <a:r>
-                        <a:rPr b="1" lang="en" sz="1300">
-                          <a:solidFill>
-                            <a:srgbClr val="31394D"/>
-                          </a:solidFill>
-                          <a:latin typeface="Roboto"/>
-                          <a:ea typeface="Roboto"/>
-                          <a:cs typeface="Roboto"/>
-                          <a:sym typeface="Roboto"/>
-                        </a:rPr>
-                        <a:t>Assignee</a:t>
-                      </a:r>
-                      <a:endParaRPr b="1" sz="1300">
-                        <a:solidFill>
-                          <a:srgbClr val="31394D"/>
-                        </a:solidFill>
-                        <a:latin typeface="Roboto"/>
-                        <a:ea typeface="Roboto"/>
-                        <a:cs typeface="Roboto"/>
-                        <a:sym typeface="Roboto"/>
-                      </a:endParaRPr>
-                    </a:p>
-                  </a:txBody>
-                  <a:tcPr marT="91425" marB="91425" marR="91425" marL="91425">
-                    <a:lnL cap="flat" cmpd="sng" w="9525">
-                      <a:solidFill>
-                        <a:srgbClr val="000000"/>
-                      </a:solidFill>
-                      <a:prstDash val="solid"/>
-                      <a:round/>
-                      <a:headEnd len="sm" w="sm" type="none"/>
-                      <a:tailEnd len="sm" w="sm" type="none"/>
-                    </a:lnL>
-                    <a:lnR cap="flat" cmpd="sng" w="9525">
-                      <a:solidFill>
-                        <a:srgbClr val="000000"/>
-                      </a:solidFill>
-                      <a:prstDash val="solid"/>
-                      <a:round/>
-                      <a:headEnd len="sm" w="sm" type="none"/>
-                      <a:tailEnd len="sm" w="sm" type="none"/>
-                    </a:lnR>
-                    <a:lnT cap="flat" cmpd="sng" w="9525">
-                      <a:solidFill>
-                        <a:srgbClr val="000000"/>
-                      </a:solidFill>
-                      <a:prstDash val="solid"/>
-                      <a:round/>
-                      <a:headEnd len="sm" w="sm" type="none"/>
-                      <a:tailEnd len="sm" w="sm" type="none"/>
-                    </a:lnT>
-                    <a:lnB cap="flat" cmpd="sng" w="9525">
-                      <a:solidFill>
-                        <a:srgbClr val="000000"/>
-                      </a:solidFill>
-                      <a:prstDash val="solid"/>
-                      <a:round/>
-                      <a:headEnd len="sm" w="sm" type="none"/>
-                      <a:tailEnd len="sm" w="sm" type="none"/>
-                    </a:lnB>
-                    <a:solidFill>
-                      <a:srgbClr val="B7B7B7"/>
-                    </a:solidFill>
-                  </a:tcPr>
-                </a:tc>
-              </a:tr>
-              <a:tr h="438150">
-                <a:tc>
-                  <a:txBody>
-                    <a:bodyPr/>
-                    <a:lstStyle/>
-                    <a:p>
-                      <a:pPr indent="0" lvl="0" marL="0" rtl="0" algn="l">
-                        <a:lnSpc>
-                          <a:spcPct val="115000"/>
-                        </a:lnSpc>
-                        <a:spcBef>
-                          <a:spcPts val="0"/>
-                        </a:spcBef>
-                        <a:spcAft>
-                          <a:spcPts val="0"/>
-                        </a:spcAft>
-                        <a:buNone/>
-                      </a:pPr>
-                      <a:r>
-                        <a:rPr lang="en" sz="1300">
-                          <a:solidFill>
-                            <a:srgbClr val="31394D"/>
-                          </a:solidFill>
-                          <a:latin typeface="Roboto"/>
-                          <a:ea typeface="Roboto"/>
-                          <a:cs typeface="Roboto"/>
-                          <a:sym typeface="Roboto"/>
-                        </a:rPr>
-                        <a:t>1</a:t>
-                      </a:r>
-                      <a:r>
-                        <a:rPr lang="en" sz="1300">
-                          <a:solidFill>
-                            <a:srgbClr val="31394D"/>
-                          </a:solidFill>
-                          <a:latin typeface="Roboto"/>
-                          <a:ea typeface="Roboto"/>
-                          <a:cs typeface="Roboto"/>
-                          <a:sym typeface="Roboto"/>
-                        </a:rPr>
-                        <a:t>. Bluetooth communication</a:t>
-                      </a:r>
-                      <a:endParaRPr sz="1300">
-                        <a:solidFill>
-                          <a:srgbClr val="31394D"/>
-                        </a:solidFill>
-                        <a:latin typeface="Roboto"/>
-                        <a:ea typeface="Roboto"/>
-                        <a:cs typeface="Roboto"/>
-                        <a:sym typeface="Roboto"/>
-                      </a:endParaRPr>
-                    </a:p>
-                  </a:txBody>
-                  <a:tcPr marT="91425" marB="91425" marR="91425" marL="91425">
-                    <a:lnL cap="flat" cmpd="sng" w="9525">
-                      <a:solidFill>
-                        <a:srgbClr val="000000"/>
-                      </a:solidFill>
-                      <a:prstDash val="solid"/>
-                      <a:round/>
-                      <a:headEnd len="sm" w="sm" type="none"/>
-                      <a:tailEnd len="sm" w="sm" type="none"/>
-                    </a:lnL>
-                    <a:lnR cap="flat" cmpd="sng" w="9525">
-                      <a:solidFill>
-                        <a:srgbClr val="000000"/>
-                      </a:solidFill>
-                      <a:prstDash val="solid"/>
-                      <a:round/>
-                      <a:headEnd len="sm" w="sm" type="none"/>
-                      <a:tailEnd len="sm" w="sm" type="none"/>
-                    </a:lnR>
-                    <a:lnT cap="flat" cmpd="sng" w="9525">
-                      <a:solidFill>
-                        <a:srgbClr val="000000"/>
-                      </a:solidFill>
-                      <a:prstDash val="solid"/>
-                      <a:round/>
-                      <a:headEnd len="sm" w="sm" type="none"/>
-                      <a:tailEnd len="sm" w="sm" type="none"/>
-                    </a:lnT>
-                    <a:lnB cap="flat" cmpd="sng" w="9525">
-                      <a:solidFill>
-                        <a:srgbClr val="000000"/>
-                      </a:solidFill>
-                      <a:prstDash val="solid"/>
-                      <a:round/>
-                      <a:headEnd len="sm" w="sm" type="none"/>
-                      <a:tailEnd len="sm" w="sm" type="none"/>
-                    </a:lnB>
-                  </a:tcPr>
-                </a:tc>
-                <a:tc>
-                  <a:txBody>
-                    <a:bodyPr/>
-                    <a:lstStyle/>
-                    <a:p>
-                      <a:pPr indent="0" lvl="0" marL="0" rtl="0" algn="l">
-                        <a:lnSpc>
-                          <a:spcPct val="115000"/>
-                        </a:lnSpc>
-                        <a:spcBef>
-                          <a:spcPts val="0"/>
-                        </a:spcBef>
-                        <a:spcAft>
-                          <a:spcPts val="0"/>
-                        </a:spcAft>
-                        <a:buNone/>
-                      </a:pPr>
-                      <a:r>
-                        <a:rPr lang="en" sz="1300">
-                          <a:solidFill>
-                            <a:srgbClr val="31394D"/>
-                          </a:solidFill>
-                          <a:latin typeface="Roboto"/>
-                          <a:ea typeface="Roboto"/>
-                          <a:cs typeface="Roboto"/>
-                          <a:sym typeface="Roboto"/>
-                        </a:rPr>
-                        <a:t>Jasmine &amp; </a:t>
-                      </a:r>
-                      <a:r>
-                        <a:rPr lang="en" sz="1250">
-                          <a:solidFill>
-                            <a:srgbClr val="31394D"/>
-                          </a:solidFill>
-                          <a:latin typeface="Roboto"/>
-                          <a:ea typeface="Roboto"/>
-                          <a:cs typeface="Roboto"/>
-                          <a:sym typeface="Roboto"/>
-                        </a:rPr>
-                        <a:t>Hyeonseo</a:t>
-                      </a:r>
-                      <a:endParaRPr sz="1300">
-                        <a:solidFill>
-                          <a:srgbClr val="31394D"/>
-                        </a:solidFill>
-                        <a:latin typeface="Roboto"/>
-                        <a:ea typeface="Roboto"/>
-                        <a:cs typeface="Roboto"/>
-                        <a:sym typeface="Roboto"/>
-                      </a:endParaRPr>
-                    </a:p>
-                  </a:txBody>
-                  <a:tcPr marT="91425" marB="91425" marR="91425" marL="91425">
-                    <a:lnL cap="flat" cmpd="sng" w="9525">
-                      <a:solidFill>
-                        <a:srgbClr val="000000"/>
-                      </a:solidFill>
-                      <a:prstDash val="solid"/>
-                      <a:round/>
-                      <a:headEnd len="sm" w="sm" type="none"/>
-                      <a:tailEnd len="sm" w="sm" type="none"/>
-                    </a:lnL>
-                    <a:lnR cap="flat" cmpd="sng" w="9525">
-                      <a:solidFill>
-                        <a:srgbClr val="000000"/>
-                      </a:solidFill>
-                      <a:prstDash val="solid"/>
-                      <a:round/>
-                      <a:headEnd len="sm" w="sm" type="none"/>
-                      <a:tailEnd len="sm" w="sm" type="none"/>
-                    </a:lnR>
-                    <a:lnT cap="flat" cmpd="sng" w="9525">
-                      <a:solidFill>
-                        <a:srgbClr val="000000"/>
-                      </a:solidFill>
-                      <a:prstDash val="solid"/>
-                      <a:round/>
-                      <a:headEnd len="sm" w="sm" type="none"/>
-                      <a:tailEnd len="sm" w="sm" type="none"/>
-                    </a:lnT>
-                    <a:lnB cap="flat" cmpd="sng" w="9525">
-                      <a:solidFill>
-                        <a:srgbClr val="000000"/>
-                      </a:solidFill>
-                      <a:prstDash val="solid"/>
-                      <a:round/>
-                      <a:headEnd len="sm" w="sm" type="none"/>
-                      <a:tailEnd len="sm" w="sm" type="none"/>
-                    </a:lnB>
-                  </a:tcPr>
-                </a:tc>
-              </a:tr>
-              <a:tr h="434075">
-                <a:tc>
-                  <a:txBody>
-                    <a:bodyPr/>
-                    <a:lstStyle/>
-                    <a:p>
-                      <a:pPr indent="0" lvl="0" marL="0" rtl="0" algn="l">
-                        <a:lnSpc>
-                          <a:spcPct val="115000"/>
-                        </a:lnSpc>
-                        <a:spcBef>
-                          <a:spcPts val="0"/>
-                        </a:spcBef>
-                        <a:spcAft>
-                          <a:spcPts val="0"/>
-                        </a:spcAft>
-                        <a:buNone/>
-                      </a:pPr>
-                      <a:r>
-                        <a:rPr lang="en" sz="1300">
-                          <a:solidFill>
-                            <a:srgbClr val="31394D"/>
-                          </a:solidFill>
-                          <a:latin typeface="Roboto"/>
-                          <a:ea typeface="Roboto"/>
-                          <a:cs typeface="Roboto"/>
-                          <a:sym typeface="Roboto"/>
-                        </a:rPr>
-                        <a:t>2</a:t>
-                      </a:r>
-                      <a:r>
-                        <a:rPr lang="en" sz="1300">
-                          <a:solidFill>
-                            <a:srgbClr val="31394D"/>
-                          </a:solidFill>
-                          <a:latin typeface="Roboto"/>
-                          <a:ea typeface="Roboto"/>
-                          <a:cs typeface="Roboto"/>
-                          <a:sym typeface="Roboto"/>
-                        </a:rPr>
-                        <a:t>. Backend for user account and data history</a:t>
-                      </a:r>
-                      <a:endParaRPr sz="1300">
-                        <a:solidFill>
-                          <a:srgbClr val="31394D"/>
-                        </a:solidFill>
-                        <a:latin typeface="Roboto"/>
-                        <a:ea typeface="Roboto"/>
-                        <a:cs typeface="Roboto"/>
-                        <a:sym typeface="Roboto"/>
-                      </a:endParaRPr>
-                    </a:p>
-                  </a:txBody>
-                  <a:tcPr marT="91425" marB="91425" marR="91425" marL="91425">
-                    <a:lnL cap="flat" cmpd="sng" w="9525">
-                      <a:solidFill>
-                        <a:srgbClr val="000000"/>
-                      </a:solidFill>
-                      <a:prstDash val="solid"/>
-                      <a:round/>
-                      <a:headEnd len="sm" w="sm" type="none"/>
-                      <a:tailEnd len="sm" w="sm" type="none"/>
-                    </a:lnL>
-                    <a:lnR cap="flat" cmpd="sng" w="9525">
-                      <a:solidFill>
-                        <a:srgbClr val="000000"/>
-                      </a:solidFill>
-                      <a:prstDash val="solid"/>
-                      <a:round/>
-                      <a:headEnd len="sm" w="sm" type="none"/>
-                      <a:tailEnd len="sm" w="sm" type="none"/>
-                    </a:lnR>
-                    <a:lnT cap="flat" cmpd="sng" w="9525">
-                      <a:solidFill>
-                        <a:srgbClr val="000000"/>
-                      </a:solidFill>
-                      <a:prstDash val="solid"/>
-                      <a:round/>
-                      <a:headEnd len="sm" w="sm" type="none"/>
-                      <a:tailEnd len="sm" w="sm" type="none"/>
-                    </a:lnT>
-                    <a:lnB cap="flat" cmpd="sng" w="9525">
-                      <a:solidFill>
-                        <a:srgbClr val="000000"/>
-                      </a:solidFill>
-                      <a:prstDash val="solid"/>
-                      <a:round/>
-                      <a:headEnd len="sm" w="sm" type="none"/>
-                      <a:tailEnd len="sm" w="sm" type="none"/>
-                    </a:lnB>
-                  </a:tcPr>
-                </a:tc>
-                <a:tc>
-                  <a:txBody>
-                    <a:bodyPr/>
-                    <a:lstStyle/>
-                    <a:p>
-                      <a:pPr indent="0" lvl="0" marL="0" rtl="0" algn="l">
-                        <a:lnSpc>
-                          <a:spcPct val="115000"/>
-                        </a:lnSpc>
-                        <a:spcBef>
-                          <a:spcPts val="0"/>
-                        </a:spcBef>
-                        <a:spcAft>
-                          <a:spcPts val="0"/>
-                        </a:spcAft>
-                        <a:buNone/>
-                      </a:pPr>
-                      <a:r>
-                        <a:rPr lang="en" sz="1300">
-                          <a:solidFill>
-                            <a:srgbClr val="31394D"/>
-                          </a:solidFill>
-                          <a:latin typeface="Roboto"/>
-                          <a:ea typeface="Roboto"/>
-                          <a:cs typeface="Roboto"/>
-                          <a:sym typeface="Roboto"/>
-                        </a:rPr>
-                        <a:t>UGyeong</a:t>
-                      </a:r>
-                      <a:endParaRPr sz="1300">
-                        <a:solidFill>
-                          <a:srgbClr val="31394D"/>
-                        </a:solidFill>
-                        <a:latin typeface="Roboto"/>
-                        <a:ea typeface="Roboto"/>
-                        <a:cs typeface="Roboto"/>
-                        <a:sym typeface="Roboto"/>
-                      </a:endParaRPr>
-                    </a:p>
-                  </a:txBody>
-                  <a:tcPr marT="91425" marB="91425" marR="91425" marL="91425">
-                    <a:lnL cap="flat" cmpd="sng" w="9525">
-                      <a:solidFill>
-                        <a:srgbClr val="000000"/>
-                      </a:solidFill>
-                      <a:prstDash val="solid"/>
-                      <a:round/>
-                      <a:headEnd len="sm" w="sm" type="none"/>
-                      <a:tailEnd len="sm" w="sm" type="none"/>
-                    </a:lnL>
-                    <a:lnR cap="flat" cmpd="sng" w="9525">
-                      <a:solidFill>
-                        <a:srgbClr val="000000"/>
-                      </a:solidFill>
-                      <a:prstDash val="solid"/>
-                      <a:round/>
-                      <a:headEnd len="sm" w="sm" type="none"/>
-                      <a:tailEnd len="sm" w="sm" type="none"/>
-                    </a:lnR>
-                    <a:lnT cap="flat" cmpd="sng" w="9525">
-                      <a:solidFill>
-                        <a:srgbClr val="000000"/>
-                      </a:solidFill>
-                      <a:prstDash val="solid"/>
-                      <a:round/>
-                      <a:headEnd len="sm" w="sm" type="none"/>
-                      <a:tailEnd len="sm" w="sm" type="none"/>
-                    </a:lnT>
-                    <a:lnB cap="flat" cmpd="sng" w="9525">
-                      <a:solidFill>
-                        <a:srgbClr val="000000"/>
-                      </a:solidFill>
-                      <a:prstDash val="solid"/>
-                      <a:round/>
-                      <a:headEnd len="sm" w="sm" type="none"/>
-                      <a:tailEnd len="sm" w="sm" type="none"/>
-                    </a:lnB>
-                  </a:tcPr>
-                </a:tc>
-              </a:tr>
-              <a:tr h="409575">
-                <a:tc>
-                  <a:txBody>
-                    <a:bodyPr/>
-                    <a:lstStyle/>
-                    <a:p>
-                      <a:pPr indent="0" lvl="0" marL="0" rtl="0" algn="l">
-                        <a:lnSpc>
-                          <a:spcPct val="115000"/>
-                        </a:lnSpc>
-                        <a:spcBef>
-                          <a:spcPts val="0"/>
-                        </a:spcBef>
-                        <a:spcAft>
-                          <a:spcPts val="0"/>
-                        </a:spcAft>
-                        <a:buNone/>
-                      </a:pPr>
-                      <a:r>
-                        <a:rPr lang="en" sz="1300">
-                          <a:solidFill>
-                            <a:srgbClr val="31394D"/>
-                          </a:solidFill>
-                          <a:latin typeface="Roboto"/>
-                          <a:ea typeface="Roboto"/>
-                          <a:cs typeface="Roboto"/>
-                          <a:sym typeface="Roboto"/>
-                        </a:rPr>
-                        <a:t>3</a:t>
-                      </a:r>
-                      <a:r>
-                        <a:rPr lang="en" sz="1300">
-                          <a:solidFill>
-                            <a:srgbClr val="31394D"/>
-                          </a:solidFill>
-                          <a:latin typeface="Roboto"/>
-                          <a:ea typeface="Roboto"/>
-                          <a:cs typeface="Roboto"/>
-                          <a:sym typeface="Roboto"/>
-                        </a:rPr>
-                        <a:t>. Improve model accuracy by DL model design and feature engineering</a:t>
-                      </a:r>
-                      <a:endParaRPr sz="1300">
-                        <a:solidFill>
-                          <a:srgbClr val="31394D"/>
-                        </a:solidFill>
-                        <a:latin typeface="Roboto"/>
-                        <a:ea typeface="Roboto"/>
-                        <a:cs typeface="Roboto"/>
-                        <a:sym typeface="Roboto"/>
-                      </a:endParaRPr>
-                    </a:p>
-                  </a:txBody>
-                  <a:tcPr marT="91425" marB="91425" marR="91425" marL="91425">
-                    <a:lnL cap="flat" cmpd="sng" w="9525">
-                      <a:solidFill>
-                        <a:srgbClr val="000000"/>
-                      </a:solidFill>
-                      <a:prstDash val="solid"/>
-                      <a:round/>
-                      <a:headEnd len="sm" w="sm" type="none"/>
-                      <a:tailEnd len="sm" w="sm" type="none"/>
-                    </a:lnL>
-                    <a:lnR cap="flat" cmpd="sng" w="9525">
-                      <a:solidFill>
-                        <a:srgbClr val="000000"/>
-                      </a:solidFill>
-                      <a:prstDash val="solid"/>
-                      <a:round/>
-                      <a:headEnd len="sm" w="sm" type="none"/>
-                      <a:tailEnd len="sm" w="sm" type="none"/>
-                    </a:lnR>
-                    <a:lnT cap="flat" cmpd="sng" w="9525">
-                      <a:solidFill>
-                        <a:srgbClr val="000000"/>
-                      </a:solidFill>
-                      <a:prstDash val="solid"/>
-                      <a:round/>
-                      <a:headEnd len="sm" w="sm" type="none"/>
-                      <a:tailEnd len="sm" w="sm" type="none"/>
-                    </a:lnT>
-                    <a:lnB cap="flat" cmpd="sng" w="9525">
-                      <a:solidFill>
-                        <a:srgbClr val="000000"/>
-                      </a:solidFill>
-                      <a:prstDash val="solid"/>
-                      <a:round/>
-                      <a:headEnd len="sm" w="sm" type="none"/>
-                      <a:tailEnd len="sm" w="sm" type="none"/>
-                    </a:lnB>
-                  </a:tcPr>
-                </a:tc>
-                <a:tc>
-                  <a:txBody>
-                    <a:bodyPr/>
-                    <a:lstStyle/>
-                    <a:p>
-                      <a:pPr indent="0" lvl="0" marL="0" rtl="0" algn="l">
-                        <a:lnSpc>
-                          <a:spcPct val="115000"/>
-                        </a:lnSpc>
-                        <a:spcBef>
-                          <a:spcPts val="0"/>
-                        </a:spcBef>
-                        <a:spcAft>
-                          <a:spcPts val="0"/>
-                        </a:spcAft>
-                        <a:buNone/>
-                      </a:pPr>
-                      <a:r>
-                        <a:rPr lang="en" sz="1300">
-                          <a:solidFill>
-                            <a:srgbClr val="31394D"/>
-                          </a:solidFill>
-                          <a:latin typeface="Roboto"/>
-                          <a:ea typeface="Roboto"/>
-                          <a:cs typeface="Roboto"/>
-                          <a:sym typeface="Roboto"/>
-                        </a:rPr>
-                        <a:t>Donghae &amp; UGyeong</a:t>
-                      </a:r>
-                      <a:endParaRPr sz="1300">
-                        <a:solidFill>
-                          <a:srgbClr val="31394D"/>
-                        </a:solidFill>
-                        <a:latin typeface="Roboto"/>
-                        <a:ea typeface="Roboto"/>
-                        <a:cs typeface="Roboto"/>
-                        <a:sym typeface="Roboto"/>
-                      </a:endParaRPr>
-                    </a:p>
-                  </a:txBody>
-                  <a:tcPr marT="91425" marB="91425" marR="91425" marL="91425">
-                    <a:lnL cap="flat" cmpd="sng" w="9525">
-                      <a:solidFill>
-                        <a:srgbClr val="000000"/>
-                      </a:solidFill>
-                      <a:prstDash val="solid"/>
-                      <a:round/>
-                      <a:headEnd len="sm" w="sm" type="none"/>
-                      <a:tailEnd len="sm" w="sm" type="none"/>
-                    </a:lnL>
-                    <a:lnR cap="flat" cmpd="sng" w="9525">
-                      <a:solidFill>
-                        <a:srgbClr val="000000"/>
-                      </a:solidFill>
-                      <a:prstDash val="solid"/>
-                      <a:round/>
-                      <a:headEnd len="sm" w="sm" type="none"/>
-                      <a:tailEnd len="sm" w="sm" type="none"/>
-                    </a:lnR>
-                    <a:lnT cap="flat" cmpd="sng" w="9525">
-                      <a:solidFill>
-                        <a:srgbClr val="000000"/>
-                      </a:solidFill>
-                      <a:prstDash val="solid"/>
-                      <a:round/>
-                      <a:headEnd len="sm" w="sm" type="none"/>
-                      <a:tailEnd len="sm" w="sm" type="none"/>
-                    </a:lnT>
-                    <a:lnB cap="flat" cmpd="sng" w="9525">
-                      <a:solidFill>
-                        <a:srgbClr val="000000"/>
-                      </a:solidFill>
-                      <a:prstDash val="solid"/>
-                      <a:round/>
-                      <a:headEnd len="sm" w="sm" type="none"/>
-                      <a:tailEnd len="sm" w="sm" type="none"/>
-                    </a:lnB>
-                  </a:tcPr>
-                </a:tc>
-              </a:tr>
-              <a:tr h="402575">
-                <a:tc>
-                  <a:txBody>
-                    <a:bodyPr/>
-                    <a:lstStyle/>
-                    <a:p>
-                      <a:pPr indent="0" lvl="0" marL="0" rtl="0" algn="l">
-                        <a:lnSpc>
-                          <a:spcPct val="115000"/>
-                        </a:lnSpc>
-                        <a:spcBef>
-                          <a:spcPts val="0"/>
-                        </a:spcBef>
-                        <a:spcAft>
-                          <a:spcPts val="0"/>
-                        </a:spcAft>
-                        <a:buNone/>
-                      </a:pPr>
-                      <a:r>
-                        <a:rPr lang="en" sz="1300">
-                          <a:solidFill>
-                            <a:srgbClr val="31394D"/>
-                          </a:solidFill>
-                          <a:latin typeface="Roboto"/>
-                          <a:ea typeface="Roboto"/>
-                          <a:cs typeface="Roboto"/>
-                          <a:sym typeface="Roboto"/>
-                        </a:rPr>
-                        <a:t>4</a:t>
-                      </a:r>
-                      <a:r>
-                        <a:rPr lang="en" sz="1300">
-                          <a:solidFill>
-                            <a:srgbClr val="31394D"/>
-                          </a:solidFill>
-                          <a:latin typeface="Roboto"/>
-                          <a:ea typeface="Roboto"/>
-                          <a:cs typeface="Roboto"/>
-                          <a:sym typeface="Roboto"/>
-                        </a:rPr>
-                        <a:t>. Improve UI &amp; UX</a:t>
-                      </a:r>
-                      <a:endParaRPr sz="1300">
-                        <a:solidFill>
-                          <a:srgbClr val="31394D"/>
-                        </a:solidFill>
-                        <a:latin typeface="Roboto"/>
-                        <a:ea typeface="Roboto"/>
-                        <a:cs typeface="Roboto"/>
-                        <a:sym typeface="Roboto"/>
-                      </a:endParaRPr>
-                    </a:p>
-                  </a:txBody>
-                  <a:tcPr marT="91425" marB="91425" marR="91425" marL="91425">
-                    <a:lnL cap="flat" cmpd="sng" w="9525">
-                      <a:solidFill>
-                        <a:srgbClr val="000000"/>
-                      </a:solidFill>
-                      <a:prstDash val="solid"/>
-                      <a:round/>
-                      <a:headEnd len="sm" w="sm" type="none"/>
-                      <a:tailEnd len="sm" w="sm" type="none"/>
-                    </a:lnL>
-                    <a:lnR cap="flat" cmpd="sng" w="9525">
-                      <a:solidFill>
-                        <a:srgbClr val="000000"/>
-                      </a:solidFill>
-                      <a:prstDash val="solid"/>
-                      <a:round/>
-                      <a:headEnd len="sm" w="sm" type="none"/>
-                      <a:tailEnd len="sm" w="sm" type="none"/>
-                    </a:lnR>
-                    <a:lnT cap="flat" cmpd="sng" w="9525">
-                      <a:solidFill>
-                        <a:srgbClr val="000000"/>
-                      </a:solidFill>
-                      <a:prstDash val="solid"/>
-                      <a:round/>
-                      <a:headEnd len="sm" w="sm" type="none"/>
-                      <a:tailEnd len="sm" w="sm" type="none"/>
-                    </a:lnT>
-                    <a:lnB cap="flat" cmpd="sng" w="9525">
-                      <a:solidFill>
-                        <a:srgbClr val="000000"/>
-                      </a:solidFill>
-                      <a:prstDash val="solid"/>
-                      <a:round/>
-                      <a:headEnd len="sm" w="sm" type="none"/>
-                      <a:tailEnd len="sm" w="sm" type="none"/>
-                    </a:lnB>
-                  </a:tcPr>
-                </a:tc>
-                <a:tc>
-                  <a:txBody>
-                    <a:bodyPr/>
-                    <a:lstStyle/>
-                    <a:p>
-                      <a:pPr indent="0" lvl="0" marL="0" rtl="0" algn="l">
-                        <a:lnSpc>
-                          <a:spcPct val="115000"/>
-                        </a:lnSpc>
-                        <a:spcBef>
-                          <a:spcPts val="0"/>
-                        </a:spcBef>
-                        <a:spcAft>
-                          <a:spcPts val="0"/>
-                        </a:spcAft>
-                        <a:buNone/>
-                      </a:pPr>
-                      <a:r>
-                        <a:rPr lang="en" sz="1300">
-                          <a:solidFill>
-                            <a:srgbClr val="31394D"/>
-                          </a:solidFill>
-                          <a:latin typeface="Roboto"/>
-                          <a:ea typeface="Roboto"/>
-                          <a:cs typeface="Roboto"/>
-                          <a:sym typeface="Roboto"/>
-                        </a:rPr>
-                        <a:t>Jasmine &amp; Donghae</a:t>
-                      </a:r>
-                      <a:endParaRPr sz="1300">
-                        <a:solidFill>
-                          <a:srgbClr val="31394D"/>
-                        </a:solidFill>
-                        <a:latin typeface="Roboto"/>
-                        <a:ea typeface="Roboto"/>
-                        <a:cs typeface="Roboto"/>
-                        <a:sym typeface="Roboto"/>
-                      </a:endParaRPr>
-                    </a:p>
-                  </a:txBody>
-                  <a:tcPr marT="91425" marB="91425" marR="91425" marL="91425">
-                    <a:lnL cap="flat" cmpd="sng" w="9525">
-                      <a:solidFill>
-                        <a:srgbClr val="000000"/>
-                      </a:solidFill>
-                      <a:prstDash val="solid"/>
-                      <a:round/>
-                      <a:headEnd len="sm" w="sm" type="none"/>
-                      <a:tailEnd len="sm" w="sm" type="none"/>
-                    </a:lnL>
-                    <a:lnR cap="flat" cmpd="sng" w="9525">
-                      <a:solidFill>
-                        <a:srgbClr val="000000"/>
-                      </a:solidFill>
-                      <a:prstDash val="solid"/>
-                      <a:round/>
-                      <a:headEnd len="sm" w="sm" type="none"/>
-                      <a:tailEnd len="sm" w="sm" type="none"/>
-                    </a:lnR>
-                    <a:lnT cap="flat" cmpd="sng" w="9525">
-                      <a:solidFill>
-                        <a:srgbClr val="000000"/>
-                      </a:solidFill>
-                      <a:prstDash val="solid"/>
-                      <a:round/>
-                      <a:headEnd len="sm" w="sm" type="none"/>
-                      <a:tailEnd len="sm" w="sm" type="none"/>
-                    </a:lnT>
-                    <a:lnB cap="flat" cmpd="sng" w="9525">
-                      <a:solidFill>
-                        <a:srgbClr val="000000"/>
-                      </a:solidFill>
-                      <a:prstDash val="solid"/>
-                      <a:round/>
-                      <a:headEnd len="sm" w="sm" type="none"/>
-                      <a:tailEnd len="sm" w="sm" type="none"/>
-                    </a:lnB>
-                  </a:tcPr>
-                </a:tc>
-              </a:tr>
-              <a:tr h="426825">
-                <a:tc>
-                  <a:txBody>
-                    <a:bodyPr/>
-                    <a:lstStyle/>
-                    <a:p>
-                      <a:pPr indent="0" lvl="0" marL="0" rtl="0" algn="l">
-                        <a:lnSpc>
-                          <a:spcPct val="115000"/>
-                        </a:lnSpc>
-                        <a:spcBef>
-                          <a:spcPts val="0"/>
-                        </a:spcBef>
-                        <a:spcAft>
-                          <a:spcPts val="0"/>
-                        </a:spcAft>
-                        <a:buNone/>
-                      </a:pPr>
-                      <a:r>
-                        <a:rPr lang="en" sz="1300">
-                          <a:solidFill>
-                            <a:srgbClr val="31394D"/>
-                          </a:solidFill>
-                          <a:latin typeface="Roboto"/>
-                          <a:ea typeface="Roboto"/>
-                          <a:cs typeface="Roboto"/>
-                          <a:sym typeface="Roboto"/>
-                        </a:rPr>
-                        <a:t>5</a:t>
-                      </a:r>
-                      <a:r>
-                        <a:rPr lang="en" sz="1300">
-                          <a:solidFill>
-                            <a:srgbClr val="31394D"/>
-                          </a:solidFill>
-                          <a:latin typeface="Roboto"/>
-                          <a:ea typeface="Roboto"/>
-                          <a:cs typeface="Roboto"/>
-                          <a:sym typeface="Roboto"/>
-                        </a:rPr>
-                        <a:t>. Deploy server</a:t>
-                      </a:r>
-                      <a:endParaRPr sz="1300">
-                        <a:solidFill>
-                          <a:srgbClr val="31394D"/>
-                        </a:solidFill>
-                        <a:latin typeface="Roboto"/>
-                        <a:ea typeface="Roboto"/>
-                        <a:cs typeface="Roboto"/>
-                        <a:sym typeface="Roboto"/>
-                      </a:endParaRPr>
-                    </a:p>
-                  </a:txBody>
-                  <a:tcPr marT="91425" marB="91425" marR="91425" marL="91425">
-                    <a:lnL cap="flat" cmpd="sng" w="9525">
-                      <a:solidFill>
-                        <a:srgbClr val="000000"/>
-                      </a:solidFill>
-                      <a:prstDash val="solid"/>
-                      <a:round/>
-                      <a:headEnd len="sm" w="sm" type="none"/>
-                      <a:tailEnd len="sm" w="sm" type="none"/>
-                    </a:lnL>
-                    <a:lnR cap="flat" cmpd="sng" w="9525">
-                      <a:solidFill>
-                        <a:srgbClr val="000000"/>
-                      </a:solidFill>
-                      <a:prstDash val="solid"/>
-                      <a:round/>
-                      <a:headEnd len="sm" w="sm" type="none"/>
-                      <a:tailEnd len="sm" w="sm" type="none"/>
-                    </a:lnR>
-                    <a:lnT cap="flat" cmpd="sng" w="9525">
-                      <a:solidFill>
-                        <a:srgbClr val="000000"/>
-                      </a:solidFill>
-                      <a:prstDash val="solid"/>
-                      <a:round/>
-                      <a:headEnd len="sm" w="sm" type="none"/>
-                      <a:tailEnd len="sm" w="sm" type="none"/>
-                    </a:lnT>
-                    <a:lnB cap="flat" cmpd="sng" w="9525">
-                      <a:solidFill>
-                        <a:srgbClr val="000000"/>
-                      </a:solidFill>
-                      <a:prstDash val="solid"/>
-                      <a:round/>
-                      <a:headEnd len="sm" w="sm" type="none"/>
-                      <a:tailEnd len="sm" w="sm" type="none"/>
-                    </a:lnB>
-                  </a:tcPr>
-                </a:tc>
-                <a:tc>
-                  <a:txBody>
-                    <a:bodyPr/>
-                    <a:lstStyle/>
-                    <a:p>
-                      <a:pPr indent="0" lvl="0" marL="0" rtl="0" algn="l">
-                        <a:lnSpc>
-                          <a:spcPct val="115000"/>
-                        </a:lnSpc>
-                        <a:spcBef>
-                          <a:spcPts val="0"/>
-                        </a:spcBef>
-                        <a:spcAft>
-                          <a:spcPts val="0"/>
-                        </a:spcAft>
-                        <a:buNone/>
-                      </a:pPr>
-                      <a:r>
-                        <a:rPr lang="en" sz="1250">
-                          <a:solidFill>
-                            <a:srgbClr val="31394D"/>
-                          </a:solidFill>
-                          <a:latin typeface="Roboto"/>
-                          <a:ea typeface="Roboto"/>
-                          <a:cs typeface="Roboto"/>
-                          <a:sym typeface="Roboto"/>
-                        </a:rPr>
-                        <a:t>Hyeonseo</a:t>
-                      </a:r>
-                      <a:endParaRPr sz="1300">
-                        <a:solidFill>
-                          <a:srgbClr val="31394D"/>
-                        </a:solidFill>
-                        <a:latin typeface="Roboto"/>
-                        <a:ea typeface="Roboto"/>
-                        <a:cs typeface="Roboto"/>
-                        <a:sym typeface="Roboto"/>
-                      </a:endParaRPr>
-                    </a:p>
-                  </a:txBody>
-                  <a:tcPr marT="91425" marB="91425" marR="91425" marL="91425">
-                    <a:lnL cap="flat" cmpd="sng" w="9525">
-                      <a:solidFill>
-                        <a:srgbClr val="000000"/>
-                      </a:solidFill>
-                      <a:prstDash val="solid"/>
-                      <a:round/>
-                      <a:headEnd len="sm" w="sm" type="none"/>
-                      <a:tailEnd len="sm" w="sm" type="none"/>
-                    </a:lnL>
-                    <a:lnR cap="flat" cmpd="sng" w="9525">
-                      <a:solidFill>
-                        <a:srgbClr val="000000"/>
-                      </a:solidFill>
-                      <a:prstDash val="solid"/>
-                      <a:round/>
-                      <a:headEnd len="sm" w="sm" type="none"/>
-                      <a:tailEnd len="sm" w="sm" type="none"/>
-                    </a:lnR>
-                    <a:lnT cap="flat" cmpd="sng" w="9525">
-                      <a:solidFill>
-                        <a:srgbClr val="000000"/>
-                      </a:solidFill>
-                      <a:prstDash val="solid"/>
-                      <a:round/>
-                      <a:headEnd len="sm" w="sm" type="none"/>
-                      <a:tailEnd len="sm" w="sm" type="none"/>
-                    </a:lnT>
-                    <a:lnB cap="flat" cmpd="sng" w="9525">
-                      <a:solidFill>
-                        <a:srgbClr val="000000"/>
-                      </a:solidFill>
-                      <a:prstDash val="solid"/>
-                      <a:round/>
-                      <a:headEnd len="sm" w="sm" type="none"/>
-                      <a:tailEnd len="sm" w="sm" type="none"/>
-                    </a:lnB>
-                  </a:tcPr>
-                </a:tc>
-              </a:tr>
-              <a:tr h="423600">
-                <a:tc>
-                  <a:txBody>
-                    <a:bodyPr/>
-                    <a:lstStyle/>
-                    <a:p>
-                      <a:pPr indent="0" lvl="0" marL="0" rtl="0" algn="l">
-                        <a:lnSpc>
-                          <a:spcPct val="115000"/>
-                        </a:lnSpc>
-                        <a:spcBef>
-                          <a:spcPts val="0"/>
-                        </a:spcBef>
-                        <a:spcAft>
-                          <a:spcPts val="0"/>
-                        </a:spcAft>
-                        <a:buNone/>
-                      </a:pPr>
-                      <a:r>
-                        <a:rPr lang="en" sz="1300">
-                          <a:solidFill>
-                            <a:srgbClr val="31394D"/>
-                          </a:solidFill>
-                          <a:latin typeface="Roboto"/>
-                          <a:ea typeface="Roboto"/>
-                          <a:cs typeface="Roboto"/>
-                          <a:sym typeface="Roboto"/>
-                        </a:rPr>
-                        <a:t>6</a:t>
-                      </a:r>
-                      <a:r>
-                        <a:rPr lang="en" sz="1300">
-                          <a:solidFill>
-                            <a:srgbClr val="31394D"/>
-                          </a:solidFill>
-                          <a:latin typeface="Roboto"/>
-                          <a:ea typeface="Roboto"/>
-                          <a:cs typeface="Roboto"/>
-                          <a:sym typeface="Roboto"/>
-                        </a:rPr>
-                        <a:t>. Community feature</a:t>
-                      </a:r>
-                      <a:endParaRPr sz="1300">
-                        <a:solidFill>
-                          <a:srgbClr val="31394D"/>
-                        </a:solidFill>
-                        <a:latin typeface="Roboto"/>
-                        <a:ea typeface="Roboto"/>
-                        <a:cs typeface="Roboto"/>
-                        <a:sym typeface="Roboto"/>
-                      </a:endParaRPr>
-                    </a:p>
-                  </a:txBody>
-                  <a:tcPr marT="91425" marB="91425" marR="91425" marL="91425">
-                    <a:lnL cap="flat" cmpd="sng" w="9525">
-                      <a:solidFill>
-                        <a:srgbClr val="000000"/>
-                      </a:solidFill>
-                      <a:prstDash val="solid"/>
-                      <a:round/>
-                      <a:headEnd len="sm" w="sm" type="none"/>
-                      <a:tailEnd len="sm" w="sm" type="none"/>
-                    </a:lnL>
-                    <a:lnR cap="flat" cmpd="sng" w="9525">
-                      <a:solidFill>
-                        <a:srgbClr val="000000"/>
-                      </a:solidFill>
-                      <a:prstDash val="solid"/>
-                      <a:round/>
-                      <a:headEnd len="sm" w="sm" type="none"/>
-                      <a:tailEnd len="sm" w="sm" type="none"/>
-                    </a:lnR>
-                    <a:lnT cap="flat" cmpd="sng" w="9525">
-                      <a:solidFill>
-                        <a:srgbClr val="000000"/>
-                      </a:solidFill>
-                      <a:prstDash val="solid"/>
-                      <a:round/>
-                      <a:headEnd len="sm" w="sm" type="none"/>
-                      <a:tailEnd len="sm" w="sm" type="none"/>
-                    </a:lnT>
-                    <a:lnB cap="flat" cmpd="sng" w="9525">
-                      <a:solidFill>
-                        <a:srgbClr val="000000"/>
-                      </a:solidFill>
-                      <a:prstDash val="solid"/>
-                      <a:round/>
-                      <a:headEnd len="sm" w="sm" type="none"/>
-                      <a:tailEnd len="sm" w="sm" type="none"/>
-                    </a:lnB>
-                  </a:tcPr>
-                </a:tc>
-                <a:tc>
-                  <a:txBody>
-                    <a:bodyPr/>
-                    <a:lstStyle/>
-                    <a:p>
-                      <a:pPr indent="0" lvl="0" marL="0" rtl="0" algn="l">
-                        <a:lnSpc>
-                          <a:spcPct val="115000"/>
-                        </a:lnSpc>
-                        <a:spcBef>
-                          <a:spcPts val="0"/>
-                        </a:spcBef>
-                        <a:spcAft>
-                          <a:spcPts val="0"/>
-                        </a:spcAft>
-                        <a:buNone/>
-                      </a:pPr>
-                      <a:r>
-                        <a:rPr lang="en" sz="1250">
-                          <a:solidFill>
-                            <a:srgbClr val="31394D"/>
-                          </a:solidFill>
-                          <a:latin typeface="Roboto"/>
-                          <a:ea typeface="Roboto"/>
-                          <a:cs typeface="Roboto"/>
-                          <a:sym typeface="Roboto"/>
-                        </a:rPr>
-                        <a:t>UGyeong</a:t>
-                      </a:r>
-                      <a:endParaRPr sz="1300">
-                        <a:solidFill>
-                          <a:srgbClr val="31394D"/>
-                        </a:solidFill>
-                        <a:latin typeface="Roboto"/>
-                        <a:ea typeface="Roboto"/>
-                        <a:cs typeface="Roboto"/>
-                        <a:sym typeface="Roboto"/>
-                      </a:endParaRPr>
-                    </a:p>
-                  </a:txBody>
-                  <a:tcPr marT="91425" marB="91425" marR="91425" marL="91425">
-                    <a:lnL cap="flat" cmpd="sng" w="9525">
-                      <a:solidFill>
-                        <a:srgbClr val="000000"/>
-                      </a:solidFill>
-                      <a:prstDash val="solid"/>
-                      <a:round/>
-                      <a:headEnd len="sm" w="sm" type="none"/>
-                      <a:tailEnd len="sm" w="sm" type="none"/>
-                    </a:lnL>
-                    <a:lnR cap="flat" cmpd="sng" w="9525">
-                      <a:solidFill>
-                        <a:srgbClr val="000000"/>
-                      </a:solidFill>
-                      <a:prstDash val="solid"/>
-                      <a:round/>
-                      <a:headEnd len="sm" w="sm" type="none"/>
-                      <a:tailEnd len="sm" w="sm" type="none"/>
-                    </a:lnR>
-                    <a:lnT cap="flat" cmpd="sng" w="9525">
-                      <a:solidFill>
-                        <a:srgbClr val="000000"/>
-                      </a:solidFill>
-                      <a:prstDash val="solid"/>
-                      <a:round/>
-                      <a:headEnd len="sm" w="sm" type="none"/>
-                      <a:tailEnd len="sm" w="sm" type="none"/>
-                    </a:lnT>
-                    <a:lnB cap="flat" cmpd="sng" w="9525">
-                      <a:solidFill>
-                        <a:srgbClr val="000000"/>
-                      </a:solidFill>
-                      <a:prstDash val="solid"/>
-                      <a:round/>
-                      <a:headEnd len="sm" w="sm" type="none"/>
-                      <a:tailEnd len="sm" w="sm" type="none"/>
-                    </a:lnB>
-                  </a:tcPr>
-                </a:tc>
-              </a:tr>
-              <a:tr h="437975">
-                <a:tc>
-                  <a:txBody>
-                    <a:bodyPr/>
-                    <a:lstStyle/>
-                    <a:p>
-                      <a:pPr indent="0" lvl="0" marL="0" rtl="0" algn="l">
-                        <a:lnSpc>
-                          <a:spcPct val="115000"/>
-                        </a:lnSpc>
-                        <a:spcBef>
-                          <a:spcPts val="0"/>
-                        </a:spcBef>
-                        <a:spcAft>
-                          <a:spcPts val="0"/>
-                        </a:spcAft>
-                        <a:buNone/>
-                      </a:pPr>
-                      <a:r>
-                        <a:rPr lang="en" sz="1300">
-                          <a:solidFill>
-                            <a:srgbClr val="31394D"/>
-                          </a:solidFill>
-                          <a:latin typeface="Roboto"/>
-                          <a:ea typeface="Roboto"/>
-                          <a:cs typeface="Roboto"/>
-                          <a:sym typeface="Roboto"/>
-                        </a:rPr>
-                        <a:t>7</a:t>
-                      </a:r>
-                      <a:r>
-                        <a:rPr lang="en" sz="1300">
-                          <a:solidFill>
-                            <a:srgbClr val="31394D"/>
-                          </a:solidFill>
-                          <a:latin typeface="Roboto"/>
-                          <a:ea typeface="Roboto"/>
-                          <a:cs typeface="Roboto"/>
-                          <a:sym typeface="Roboto"/>
-                        </a:rPr>
-                        <a:t>. Testing</a:t>
-                      </a:r>
-                      <a:endParaRPr sz="1300">
-                        <a:solidFill>
-                          <a:srgbClr val="31394D"/>
-                        </a:solidFill>
-                        <a:latin typeface="Roboto"/>
-                        <a:ea typeface="Roboto"/>
-                        <a:cs typeface="Roboto"/>
-                        <a:sym typeface="Roboto"/>
-                      </a:endParaRPr>
-                    </a:p>
-                  </a:txBody>
-                  <a:tcPr marT="91425" marB="91425" marR="91425" marL="91425">
-                    <a:lnL cap="flat" cmpd="sng" w="9525">
-                      <a:solidFill>
-                        <a:srgbClr val="000000"/>
-                      </a:solidFill>
-                      <a:prstDash val="solid"/>
-                      <a:round/>
-                      <a:headEnd len="sm" w="sm" type="none"/>
-                      <a:tailEnd len="sm" w="sm" type="none"/>
-                    </a:lnL>
-                    <a:lnR cap="flat" cmpd="sng" w="9525">
-                      <a:solidFill>
-                        <a:srgbClr val="000000"/>
-                      </a:solidFill>
-                      <a:prstDash val="solid"/>
-                      <a:round/>
-                      <a:headEnd len="sm" w="sm" type="none"/>
-                      <a:tailEnd len="sm" w="sm" type="none"/>
-                    </a:lnR>
-                    <a:lnT cap="flat" cmpd="sng" w="9525">
-                      <a:solidFill>
-                        <a:srgbClr val="000000"/>
-                      </a:solidFill>
-                      <a:prstDash val="solid"/>
-                      <a:round/>
-                      <a:headEnd len="sm" w="sm" type="none"/>
-                      <a:tailEnd len="sm" w="sm" type="none"/>
-                    </a:lnT>
-                    <a:lnB cap="flat" cmpd="sng" w="9525">
-                      <a:solidFill>
-                        <a:srgbClr val="000000"/>
-                      </a:solidFill>
-                      <a:prstDash val="solid"/>
-                      <a:round/>
-                      <a:headEnd len="sm" w="sm" type="none"/>
-                      <a:tailEnd len="sm" w="sm" type="none"/>
-                    </a:lnB>
-                  </a:tcPr>
-                </a:tc>
-                <a:tc>
-                  <a:txBody>
-                    <a:bodyPr/>
-                    <a:lstStyle/>
-                    <a:p>
-                      <a:pPr indent="0" lvl="0" marL="0" rtl="0" algn="l">
-                        <a:lnSpc>
-                          <a:spcPct val="115000"/>
-                        </a:lnSpc>
-                        <a:spcBef>
-                          <a:spcPts val="0"/>
-                        </a:spcBef>
-                        <a:spcAft>
-                          <a:spcPts val="0"/>
-                        </a:spcAft>
-                        <a:buNone/>
-                      </a:pPr>
-                      <a:r>
-                        <a:rPr lang="en" sz="1300">
-                          <a:solidFill>
-                            <a:srgbClr val="31394D"/>
-                          </a:solidFill>
-                          <a:latin typeface="Roboto"/>
-                          <a:ea typeface="Roboto"/>
-                          <a:cs typeface="Roboto"/>
-                          <a:sym typeface="Roboto"/>
-                        </a:rPr>
-                        <a:t>Everyone</a:t>
-                      </a:r>
-                      <a:endParaRPr sz="1300">
-                        <a:solidFill>
-                          <a:srgbClr val="31394D"/>
-                        </a:solidFill>
-                        <a:latin typeface="Roboto"/>
-                        <a:ea typeface="Roboto"/>
-                        <a:cs typeface="Roboto"/>
-                        <a:sym typeface="Roboto"/>
-                      </a:endParaRPr>
-                    </a:p>
-                  </a:txBody>
-                  <a:tcPr marT="91425" marB="91425" marR="91425" marL="91425">
-                    <a:lnL cap="flat" cmpd="sng" w="9525">
-                      <a:solidFill>
-                        <a:srgbClr val="000000"/>
-                      </a:solidFill>
-                      <a:prstDash val="solid"/>
-                      <a:round/>
-                      <a:headEnd len="sm" w="sm" type="none"/>
-                      <a:tailEnd len="sm" w="sm" type="none"/>
-                    </a:lnL>
-                    <a:lnR cap="flat" cmpd="sng" w="9525">
-                      <a:solidFill>
-                        <a:srgbClr val="000000"/>
-                      </a:solidFill>
-                      <a:prstDash val="solid"/>
-                      <a:round/>
-                      <a:headEnd len="sm" w="sm" type="none"/>
-                      <a:tailEnd len="sm" w="sm" type="none"/>
-                    </a:lnR>
-                    <a:lnT cap="flat" cmpd="sng" w="9525">
-                      <a:solidFill>
-                        <a:srgbClr val="000000"/>
-                      </a:solidFill>
-                      <a:prstDash val="solid"/>
-                      <a:round/>
-                      <a:headEnd len="sm" w="sm" type="none"/>
-                      <a:tailEnd len="sm" w="sm" type="none"/>
-                    </a:lnT>
-                    <a:lnB cap="flat" cmpd="sng" w="9525">
-                      <a:solidFill>
-                        <a:srgbClr val="000000"/>
-                      </a:solidFill>
-                      <a:prstDash val="solid"/>
-                      <a:round/>
-                      <a:headEnd len="sm" w="sm" type="none"/>
-                      <a:tailEnd len="sm" w="sm" type="none"/>
-                    </a:lnB>
-                  </a:tcPr>
-                </a:tc>
-              </a:tr>
-            </a:tbl>
-          </a:graphicData>
-        </a:graphic>
-      </p:graphicFrame>
+        </p:nvPicPr>
+        <p:blipFill>
+          <a:blip r:embed="rId3">
+            <a:alphaModFix/>
+          </a:blip>
+          <a:stretch>
+            <a:fillRect/>
+          </a:stretch>
+        </p:blipFill>
+        <p:spPr>
+          <a:xfrm>
+            <a:off x="1590513" y="1563825"/>
+            <a:ext cx="5963025" cy="3008175"/>
+          </a:xfrm>
+          <a:prstGeom prst="rect">
+            <a:avLst/>
+          </a:prstGeom>
+          <a:noFill/>
+          <a:ln>
+            <a:noFill/>
+          </a:ln>
+        </p:spPr>
+      </p:pic>
     </p:spTree>
   </p:cSld>
   <p:clrMapOvr>
@@ -16512,12 +15131,40 @@
             </a:pPr>
             <a:r>
               <a:rPr lang="en"/>
-              <a:t>Git usage stats</a:t>
+              <a:t>Project schedule - Timeline(mid ~ final)</a:t>
             </a:r>
             <a:endParaRPr/>
           </a:p>
         </p:txBody>
       </p:sp>
+      <p:pic>
+        <p:nvPicPr>
+          <p:cNvPr id="257" name="Google Shape;257;p36"/>
+          <p:cNvPicPr preferRelativeResize="0"/>
+          <p:nvPr/>
+        </p:nvPicPr>
+        <p:blipFill>
+          <a:blip r:embed="rId3">
+            <a:alphaModFix/>
+          </a:blip>
+          <a:stretch>
+            <a:fillRect/>
+          </a:stretch>
+        </p:blipFill>
+        <p:spPr>
+          <a:xfrm>
+            <a:off x="1974000" y="1200825"/>
+            <a:ext cx="4655399" cy="3824078"/>
+          </a:xfrm>
+          <a:prstGeom prst="rect">
+            <a:avLst/>
+          </a:prstGeom>
+          <a:noFill/>
+          <a:ln>
+            <a:noFill/>
+          </a:ln>
+        </p:spPr>
+      </p:pic>
     </p:spTree>
   </p:cSld>
   <p:clrMapOvr>
@@ -16531,7 +15178,7 @@
   <p:cSld>
     <p:spTree>
       <p:nvGrpSpPr>
-        <p:cNvPr id="260" name="Shape 260"/>
+        <p:cNvPr id="261" name="Shape 261"/>
         <p:cNvGrpSpPr/>
         <p:nvPr/>
       </p:nvGrpSpPr>
@@ -16545,7 +15192,7 @@
       </p:grpSpPr>
       <p:sp>
         <p:nvSpPr>
-          <p:cNvPr id="261" name="Google Shape;261;p37"/>
+          <p:cNvPr id="262" name="Google Shape;262;p37"/>
           <p:cNvSpPr txBox="1"/>
           <p:nvPr>
             <p:ph type="title"/>
@@ -16553,7 +15200,7 @@
         </p:nvSpPr>
         <p:spPr>
           <a:xfrm>
-            <a:off x="311725" y="348525"/>
+            <a:off x="311725" y="500925"/>
             <a:ext cx="8520600" cy="623700"/>
           </a:xfrm>
           <a:prstGeom prst="rect">
@@ -16577,145 +15224,9 @@
             </a:pPr>
             <a:r>
               <a:rPr lang="en"/>
-              <a:t>Community feature</a:t>
+              <a:t>Git usage stats</a:t>
             </a:r>
             <a:endParaRPr/>
-          </a:p>
-        </p:txBody>
-      </p:sp>
-      <p:sp>
-        <p:nvSpPr>
-          <p:cNvPr id="262" name="Google Shape;262;p37"/>
-          <p:cNvSpPr txBox="1"/>
-          <p:nvPr>
-            <p:ph idx="4294967295" type="body"/>
-          </p:nvPr>
-        </p:nvSpPr>
-        <p:spPr>
-          <a:xfrm>
-            <a:off x="311700" y="1505700"/>
-            <a:ext cx="3999900" cy="4133100"/>
-          </a:xfrm>
-          <a:prstGeom prst="rect">
-            <a:avLst/>
-          </a:prstGeom>
-        </p:spPr>
-        <p:txBody>
-          <a:bodyPr anchorCtr="0" anchor="t" bIns="91425" lIns="91425" spcFirstLastPara="1" rIns="91425" wrap="square" tIns="91425">
-            <a:noAutofit/>
-          </a:bodyPr>
-          <a:lstStyle/>
-          <a:p>
-            <a:pPr indent="-323850" lvl="0" marL="457200" rtl="0" algn="l">
-              <a:spcBef>
-                <a:spcPts val="0"/>
-              </a:spcBef>
-              <a:spcAft>
-                <a:spcPts val="0"/>
-              </a:spcAft>
-              <a:buClr>
-                <a:srgbClr val="24292E"/>
-              </a:buClr>
-              <a:buSzPts val="1500"/>
-              <a:buChar char="●"/>
-            </a:pPr>
-            <a:r>
-              <a:rPr b="1" lang="en" sz="1500">
-                <a:solidFill>
-                  <a:srgbClr val="24292E"/>
-                </a:solidFill>
-              </a:rPr>
-              <a:t>What were done</a:t>
-            </a:r>
-            <a:endParaRPr b="1" sz="1500">
-              <a:solidFill>
-                <a:srgbClr val="24292E"/>
-              </a:solidFill>
-            </a:endParaRPr>
-          </a:p>
-          <a:p>
-            <a:pPr indent="-304800" lvl="1" marL="914400" rtl="0" algn="l">
-              <a:spcBef>
-                <a:spcPts val="0"/>
-              </a:spcBef>
-              <a:spcAft>
-                <a:spcPts val="0"/>
-              </a:spcAft>
-              <a:buClr>
-                <a:srgbClr val="24292E"/>
-              </a:buClr>
-              <a:buSzPts val="1200"/>
-              <a:buChar char="○"/>
-            </a:pPr>
-            <a:r>
-              <a:rPr lang="en" sz="1200">
-                <a:solidFill>
-                  <a:srgbClr val="24292E"/>
-                </a:solidFill>
-              </a:rPr>
-              <a:t>User can login, logout, and sign up</a:t>
-            </a:r>
-            <a:endParaRPr sz="1200">
-              <a:solidFill>
-                <a:srgbClr val="24292E"/>
-              </a:solidFill>
-            </a:endParaRPr>
-          </a:p>
-          <a:p>
-            <a:pPr indent="-304800" lvl="1" marL="914400" rtl="0" algn="l">
-              <a:spcBef>
-                <a:spcPts val="0"/>
-              </a:spcBef>
-              <a:spcAft>
-                <a:spcPts val="0"/>
-              </a:spcAft>
-              <a:buClr>
-                <a:srgbClr val="24292E"/>
-              </a:buClr>
-              <a:buSzPts val="1200"/>
-              <a:buChar char="○"/>
-            </a:pPr>
-            <a:r>
-              <a:rPr lang="en" sz="1200">
-                <a:solidFill>
-                  <a:srgbClr val="24292E"/>
-                </a:solidFill>
-              </a:rPr>
-              <a:t>And they can get life data for detail and today data from deployed server</a:t>
-            </a:r>
-            <a:endParaRPr sz="1200">
-              <a:solidFill>
-                <a:srgbClr val="24292E"/>
-              </a:solidFill>
-            </a:endParaRPr>
-          </a:p>
-          <a:p>
-            <a:pPr indent="-304800" lvl="1" marL="914400" rtl="0" algn="l">
-              <a:spcBef>
-                <a:spcPts val="0"/>
-              </a:spcBef>
-              <a:spcAft>
-                <a:spcPts val="0"/>
-              </a:spcAft>
-              <a:buClr>
-                <a:srgbClr val="24292E"/>
-              </a:buClr>
-              <a:buSzPts val="1200"/>
-              <a:buChar char="○"/>
-            </a:pPr>
-            <a:r>
-              <a:rPr lang="en" sz="1200">
-                <a:solidFill>
-                  <a:srgbClr val="24292E"/>
-                </a:solidFill>
-              </a:rPr>
-              <a:t>User can see other users and their daily ranking</a:t>
-            </a:r>
-            <a:endParaRPr sz="1200">
-              <a:solidFill>
-                <a:srgbClr val="24292E"/>
-              </a:solidFill>
-            </a:endParaRPr>
           </a:p>
         </p:txBody>
       </p:sp>
@@ -16735,8 +15246,36 @@
         </p:blipFill>
         <p:spPr>
           <a:xfrm>
-            <a:off x="5382125" y="1207900"/>
-            <a:ext cx="1852590" cy="3866475"/>
+            <a:off x="4025209" y="1324900"/>
+            <a:ext cx="5118792" cy="3618322"/>
+          </a:xfrm>
+          <a:prstGeom prst="rect">
+            <a:avLst/>
+          </a:prstGeom>
+          <a:noFill/>
+          <a:ln>
+            <a:noFill/>
+          </a:ln>
+        </p:spPr>
+      </p:pic>
+      <p:pic>
+        <p:nvPicPr>
+          <p:cNvPr id="264" name="Google Shape;264;p37"/>
+          <p:cNvPicPr preferRelativeResize="0"/>
+          <p:nvPr/>
+        </p:nvPicPr>
+        <p:blipFill>
+          <a:blip r:embed="rId4">
+            <a:alphaModFix/>
+          </a:blip>
+          <a:stretch>
+            <a:fillRect/>
+          </a:stretch>
+        </p:blipFill>
+        <p:spPr>
+          <a:xfrm>
+            <a:off x="152400" y="1277025"/>
+            <a:ext cx="2975709" cy="3714076"/>
           </a:xfrm>
           <a:prstGeom prst="rect">
             <a:avLst/>
@@ -16760,7 +15299,7 @@
   <p:cSld>
     <p:spTree>
       <p:nvGrpSpPr>
-        <p:cNvPr id="267" name="Shape 267"/>
+        <p:cNvPr id="268" name="Shape 268"/>
         <p:cNvGrpSpPr/>
         <p:nvPr/>
       </p:nvGrpSpPr>
@@ -16774,7 +15313,7 @@
       </p:grpSpPr>
       <p:sp>
         <p:nvSpPr>
-          <p:cNvPr id="268" name="Google Shape;268;p38"/>
+          <p:cNvPr id="269" name="Google Shape;269;p38"/>
           <p:cNvSpPr txBox="1"/>
           <p:nvPr>
             <p:ph type="title"/>
@@ -16822,7 +15361,7 @@
       </p:sp>
       <p:sp>
         <p:nvSpPr>
-          <p:cNvPr id="269" name="Google Shape;269;p38"/>
+          <p:cNvPr id="270" name="Google Shape;270;p38"/>
           <p:cNvSpPr txBox="1"/>
           <p:nvPr>
             <p:ph idx="1" type="body"/>
@@ -16957,7 +15496,7 @@
   <p:cSld>
     <p:spTree>
       <p:nvGrpSpPr>
-        <p:cNvPr id="273" name="Shape 273"/>
+        <p:cNvPr id="274" name="Shape 274"/>
         <p:cNvGrpSpPr/>
         <p:nvPr/>
       </p:nvGrpSpPr>
@@ -16971,7 +15510,7 @@
       </p:grpSpPr>
       <p:sp>
         <p:nvSpPr>
-          <p:cNvPr id="274" name="Google Shape;274;p39"/>
+          <p:cNvPr id="275" name="Google Shape;275;p39"/>
           <p:cNvSpPr txBox="1"/>
           <p:nvPr>
             <p:ph type="ctrTitle"/>
@@ -18853,7 +17392,7 @@
             </a:pPr>
             <a:r>
               <a:rPr lang="en"/>
-              <a:t>The app has to monitor the sensor even when the user is not using the app foreground.</a:t>
+              <a:t>The smartwatch and the phone should communicate with each other.</a:t>
             </a:r>
             <a:endParaRPr/>
           </a:p>
@@ -18870,7 +17409,7 @@
             </a:pPr>
             <a:r>
               <a:rPr lang="en"/>
-              <a:t>Solved by creating a service</a:t>
+              <a:t>We use google wear api over bluetooth.</a:t>
             </a:r>
             <a:endParaRPr/>
           </a:p>
@@ -18887,7 +17426,7 @@
             </a:pPr>
             <a:r>
               <a:rPr lang="en"/>
-              <a:t>The service needs to be started automatically when the phone booting is finished.</a:t>
+              <a:t>We have to infer whether the user is moving or sitting, and whether the user drank</a:t>
             </a:r>
             <a:endParaRPr/>
           </a:p>
@@ -18904,7 +17443,7 @@
             </a:pPr>
             <a:r>
               <a:rPr lang="en"/>
-              <a:t>Solved by registering a BroadcastReceiver</a:t>
+              <a:t>Solved by using Weka library</a:t>
             </a:r>
             <a:endParaRPr/>
           </a:p>
@@ -18921,7 +17460,7 @@
             </a:pPr>
             <a:r>
               <a:rPr lang="en"/>
-              <a:t>The UI needs to be updated in real time, based on settings and the service’s detection result.</a:t>
+              <a:t>We need to provide users’ rankings</a:t>
             </a:r>
             <a:endParaRPr/>
           </a:p>
@@ -18938,7 +17477,7 @@
             </a:pPr>
             <a:r>
               <a:rPr lang="en"/>
-              <a:t>Solved by adopting LiveData pattern</a:t>
+              <a:t>We created backends</a:t>
             </a:r>
             <a:endParaRPr/>
           </a:p>
@@ -18955,7 +17494,7 @@
             </a:pPr>
             <a:r>
               <a:rPr lang="en"/>
-              <a:t>We have to infer whether the user is moving or sitting, and whether the user drank</a:t>
+              <a:t>The app has to monitor the sensor even when the user is not using the app foreground.</a:t>
             </a:r>
             <a:endParaRPr/>
           </a:p>
@@ -18972,7 +17511,7 @@
             </a:pPr>
             <a:r>
               <a:rPr lang="en"/>
-              <a:t>Solved by using Weka library</a:t>
+              <a:t>Solved by creating a service</a:t>
             </a:r>
             <a:endParaRPr/>
           </a:p>
@@ -18989,7 +17528,7 @@
             </a:pPr>
             <a:r>
               <a:rPr lang="en"/>
-              <a:t>The smartwatch and the phone should communicate with each other.</a:t>
+              <a:t>The service needs to be started automatically when the phone booting is finished.</a:t>
             </a:r>
             <a:endParaRPr/>
           </a:p>
@@ -19006,7 +17545,41 @@
             </a:pPr>
             <a:r>
               <a:rPr lang="en"/>
-              <a:t>We use google wear api over bluetooth.</a:t>
+              <a:t>Solved by registering a BroadcastReceiver</a:t>
+            </a:r>
+            <a:endParaRPr/>
+          </a:p>
+          <a:p>
+            <a:pPr indent="-311150" lvl="0" marL="457200" rtl="0" algn="l">
+              <a:spcBef>
+                <a:spcPts val="0"/>
+              </a:spcBef>
+              <a:spcAft>
+                <a:spcPts val="0"/>
+              </a:spcAft>
+              <a:buSzPts val="1300"/>
+              <a:buAutoNum type="arabicPeriod"/>
+            </a:pPr>
+            <a:r>
+              <a:rPr lang="en"/>
+              <a:t>The UI needs to be updated in real time, based on settings and the service’s detection result.</a:t>
+            </a:r>
+            <a:endParaRPr/>
+          </a:p>
+          <a:p>
+            <a:pPr indent="-298450" lvl="1" marL="914400" rtl="0" algn="l">
+              <a:spcBef>
+                <a:spcPts val="0"/>
+              </a:spcBef>
+              <a:spcAft>
+                <a:spcPts val="0"/>
+              </a:spcAft>
+              <a:buSzPts val="1100"/>
+              <a:buAutoNum type="alphaLcPeriod"/>
+            </a:pPr>
+            <a:r>
+              <a:rPr lang="en"/>
+              <a:t>Solved by adopting LiveData pattern</a:t>
             </a:r>
             <a:endParaRPr/>
           </a:p>

--- a/Team 2 - Final(Real).pptx
+++ b/Team 2 - Final(Real).pptx
@@ -10368,7 +10368,7 @@
             <a:tbl>
               <a:tblPr>
                 <a:noFill/>
-                <a:tableStyleId>{48E0A2B4-D3D6-4ABA-A3F5-113924A89478}</a:tableStyleId>
+                <a:tableStyleId>{10109F4E-5E05-4DE9-BED7-9E65522EE8D4}</a:tableStyleId>
               </a:tblPr>
               <a:tblGrid>
                 <a:gridCol w="1555325"/>
@@ -10611,7 +10611,7 @@
             <a:tbl>
               <a:tblPr>
                 <a:noFill/>
-                <a:tableStyleId>{48E0A2B4-D3D6-4ABA-A3F5-113924A89478}</a:tableStyleId>
+                <a:tableStyleId>{10109F4E-5E05-4DE9-BED7-9E65522EE8D4}</a:tableStyleId>
               </a:tblPr>
               <a:tblGrid>
                 <a:gridCol w="1878725"/>
@@ -12176,7 +12176,7 @@
             <a:tbl>
               <a:tblPr>
                 <a:noFill/>
-                <a:tableStyleId>{48E0A2B4-D3D6-4ABA-A3F5-113924A89478}</a:tableStyleId>
+                <a:tableStyleId>{10109F4E-5E05-4DE9-BED7-9E65522EE8D4}</a:tableStyleId>
               </a:tblPr>
               <a:tblGrid>
                 <a:gridCol w="877850"/>
@@ -12843,7 +12843,7 @@
                 <a:cs typeface="Roboto"/>
                 <a:sym typeface="Roboto"/>
               </a:rPr>
-              <a:t>By using Good Heuristic, </a:t>
+              <a:t>By using Good Heuristic, final accuracy for water detection was almost 100%</a:t>
             </a:r>
             <a:endParaRPr>
               <a:latin typeface="Roboto"/>
@@ -12934,7 +12934,7 @@
             <a:tbl>
               <a:tblPr>
                 <a:noFill/>
-                <a:tableStyleId>{48E0A2B4-D3D6-4ABA-A3F5-113924A89478}</a:tableStyleId>
+                <a:tableStyleId>{10109F4E-5E05-4DE9-BED7-9E65522EE8D4}</a:tableStyleId>
               </a:tblPr>
               <a:tblGrid>
                 <a:gridCol w="3003825"/>
